--- a/images/git-revert-reset/git_reset_commit.pptx
+++ b/images/git-revert-reset/git_reset_commit.pptx
@@ -9,7 +9,7 @@
     <p:sldId id="261" r:id="rId3"/>
     <p:sldId id="262" r:id="rId4"/>
   </p:sldIdLst>
-  <p:sldSz cx="9144000" cy="6858000" type="screen4x3"/>
+  <p:sldSz cx="9144000" cy="6300788"/>
   <p:notesSz cx="6858000" cy="9144000"/>
   <p:defaultTextStyle>
     <a:defPPr>
@@ -138,8 +138,8 @@
         </p:nvSpPr>
         <p:spPr>
           <a:xfrm>
-            <a:off x="685800" y="2130425"/>
-            <a:ext cx="7772400" cy="1470025"/>
+            <a:off x="685800" y="1957329"/>
+            <a:ext cx="7772400" cy="1350585"/>
           </a:xfrm>
         </p:spPr>
         <p:txBody>
@@ -166,8 +166,8 @@
         </p:nvSpPr>
         <p:spPr>
           <a:xfrm>
-            <a:off x="1371600" y="3886200"/>
-            <a:ext cx="6400800" cy="1752600"/>
+            <a:off x="1371600" y="3570446"/>
+            <a:ext cx="6400800" cy="1610202"/>
           </a:xfrm>
         </p:spPr>
         <p:txBody>
@@ -290,7 +290,7 @@
           <a:p>
             <a:fld id="{B5CA565D-B2B5-478A-B2C3-113F166969BB}" type="datetimeFigureOut">
               <a:rPr kumimoji="1" lang="ja-JP" altLang="en-US" smtClean="0"/>
-              <a:t>2016/1/1</a:t>
+              <a:t>2016/4/17</a:t>
             </a:fld>
             <a:endParaRPr kumimoji="1" lang="ja-JP" altLang="en-US"/>
           </a:p>
@@ -492,7 +492,7 @@
           <a:p>
             <a:fld id="{B5CA565D-B2B5-478A-B2C3-113F166969BB}" type="datetimeFigureOut">
               <a:rPr kumimoji="1" lang="ja-JP" altLang="en-US" smtClean="0"/>
-              <a:t>2016/1/1</a:t>
+              <a:t>2016/4/17</a:t>
             </a:fld>
             <a:endParaRPr kumimoji="1" lang="ja-JP" altLang="en-US"/>
           </a:p>
@@ -582,8 +582,8 @@
         </p:nvSpPr>
         <p:spPr>
           <a:xfrm>
-            <a:off x="6629400" y="274638"/>
-            <a:ext cx="2057400" cy="5851525"/>
+            <a:off x="6629400" y="252324"/>
+            <a:ext cx="2057400" cy="5376089"/>
           </a:xfrm>
         </p:spPr>
         <p:txBody>
@@ -610,8 +610,8 @@
         </p:nvSpPr>
         <p:spPr>
           <a:xfrm>
-            <a:off x="457200" y="274638"/>
-            <a:ext cx="6019800" cy="5851525"/>
+            <a:off x="457200" y="252324"/>
+            <a:ext cx="6019800" cy="5376089"/>
           </a:xfrm>
         </p:spPr>
         <p:txBody>
@@ -704,7 +704,7 @@
           <a:p>
             <a:fld id="{B5CA565D-B2B5-478A-B2C3-113F166969BB}" type="datetimeFigureOut">
               <a:rPr kumimoji="1" lang="ja-JP" altLang="en-US" smtClean="0"/>
-              <a:t>2016/1/1</a:t>
+              <a:t>2016/4/17</a:t>
             </a:fld>
             <a:endParaRPr kumimoji="1" lang="ja-JP" altLang="en-US"/>
           </a:p>
@@ -906,7 +906,7 @@
           <a:p>
             <a:fld id="{B5CA565D-B2B5-478A-B2C3-113F166969BB}" type="datetimeFigureOut">
               <a:rPr kumimoji="1" lang="ja-JP" altLang="en-US" smtClean="0"/>
-              <a:t>2016/1/1</a:t>
+              <a:t>2016/4/17</a:t>
             </a:fld>
             <a:endParaRPr kumimoji="1" lang="ja-JP" altLang="en-US"/>
           </a:p>
@@ -996,8 +996,8 @@
         </p:nvSpPr>
         <p:spPr>
           <a:xfrm>
-            <a:off x="722313" y="4406900"/>
-            <a:ext cx="7772400" cy="1362075"/>
+            <a:off x="722313" y="4048841"/>
+            <a:ext cx="7772400" cy="1251406"/>
           </a:xfrm>
         </p:spPr>
         <p:txBody>
@@ -1028,8 +1028,8 @@
         </p:nvSpPr>
         <p:spPr>
           <a:xfrm>
-            <a:off x="722313" y="2906713"/>
-            <a:ext cx="7772400" cy="1500187"/>
+            <a:off x="722313" y="2670543"/>
+            <a:ext cx="7772400" cy="1378297"/>
           </a:xfrm>
         </p:spPr>
         <p:txBody>
@@ -1152,7 +1152,7 @@
           <a:p>
             <a:fld id="{B5CA565D-B2B5-478A-B2C3-113F166969BB}" type="datetimeFigureOut">
               <a:rPr kumimoji="1" lang="ja-JP" altLang="en-US" smtClean="0"/>
-              <a:t>2016/1/1</a:t>
+              <a:t>2016/4/17</a:t>
             </a:fld>
             <a:endParaRPr kumimoji="1" lang="ja-JP" altLang="en-US"/>
           </a:p>
@@ -1265,8 +1265,8 @@
         </p:nvSpPr>
         <p:spPr>
           <a:xfrm>
-            <a:off x="457200" y="1600200"/>
-            <a:ext cx="4038600" cy="4525963"/>
+            <a:off x="457200" y="1470185"/>
+            <a:ext cx="4038600" cy="4158229"/>
           </a:xfrm>
         </p:spPr>
         <p:txBody>
@@ -1382,8 +1382,8 @@
         </p:nvSpPr>
         <p:spPr>
           <a:xfrm>
-            <a:off x="4648200" y="1600200"/>
-            <a:ext cx="4038600" cy="4525963"/>
+            <a:off x="4648200" y="1470185"/>
+            <a:ext cx="4038600" cy="4158229"/>
           </a:xfrm>
         </p:spPr>
         <p:txBody>
@@ -1504,7 +1504,7 @@
           <a:p>
             <a:fld id="{B5CA565D-B2B5-478A-B2C3-113F166969BB}" type="datetimeFigureOut">
               <a:rPr kumimoji="1" lang="ja-JP" altLang="en-US" smtClean="0"/>
-              <a:t>2016/1/1</a:t>
+              <a:t>2016/4/17</a:t>
             </a:fld>
             <a:endParaRPr kumimoji="1" lang="ja-JP" altLang="en-US"/>
           </a:p>
@@ -1621,8 +1621,8 @@
         </p:nvSpPr>
         <p:spPr>
           <a:xfrm>
-            <a:off x="457200" y="1535113"/>
-            <a:ext cx="4040188" cy="639762"/>
+            <a:off x="457200" y="1410385"/>
+            <a:ext cx="4040188" cy="587782"/>
           </a:xfrm>
         </p:spPr>
         <p:txBody>
@@ -1686,8 +1686,8 @@
         </p:nvSpPr>
         <p:spPr>
           <a:xfrm>
-            <a:off x="457200" y="2174875"/>
-            <a:ext cx="4040188" cy="3951288"/>
+            <a:off x="457200" y="1998167"/>
+            <a:ext cx="4040188" cy="3630246"/>
           </a:xfrm>
         </p:spPr>
         <p:txBody>
@@ -1803,8 +1803,8 @@
         </p:nvSpPr>
         <p:spPr>
           <a:xfrm>
-            <a:off x="4645025" y="1535113"/>
-            <a:ext cx="4041775" cy="639762"/>
+            <a:off x="4645027" y="1410385"/>
+            <a:ext cx="4041775" cy="587782"/>
           </a:xfrm>
         </p:spPr>
         <p:txBody>
@@ -1868,8 +1868,8 @@
         </p:nvSpPr>
         <p:spPr>
           <a:xfrm>
-            <a:off x="4645025" y="2174875"/>
-            <a:ext cx="4041775" cy="3951288"/>
+            <a:off x="4645027" y="1998167"/>
+            <a:ext cx="4041775" cy="3630246"/>
           </a:xfrm>
         </p:spPr>
         <p:txBody>
@@ -1990,7 +1990,7 @@
           <a:p>
             <a:fld id="{B5CA565D-B2B5-478A-B2C3-113F166969BB}" type="datetimeFigureOut">
               <a:rPr kumimoji="1" lang="ja-JP" altLang="en-US" smtClean="0"/>
-              <a:t>2016/1/1</a:t>
+              <a:t>2016/4/17</a:t>
             </a:fld>
             <a:endParaRPr kumimoji="1" lang="ja-JP" altLang="en-US"/>
           </a:p>
@@ -2108,7 +2108,7 @@
           <a:p>
             <a:fld id="{B5CA565D-B2B5-478A-B2C3-113F166969BB}" type="datetimeFigureOut">
               <a:rPr kumimoji="1" lang="ja-JP" altLang="en-US" smtClean="0"/>
-              <a:t>2016/1/1</a:t>
+              <a:t>2016/4/17</a:t>
             </a:fld>
             <a:endParaRPr kumimoji="1" lang="ja-JP" altLang="en-US"/>
           </a:p>
@@ -2203,7 +2203,7 @@
           <a:p>
             <a:fld id="{B5CA565D-B2B5-478A-B2C3-113F166969BB}" type="datetimeFigureOut">
               <a:rPr kumimoji="1" lang="ja-JP" altLang="en-US" smtClean="0"/>
-              <a:t>2016/1/1</a:t>
+              <a:t>2016/4/17</a:t>
             </a:fld>
             <a:endParaRPr kumimoji="1" lang="ja-JP" altLang="en-US"/>
           </a:p>
@@ -2293,8 +2293,8 @@
         </p:nvSpPr>
         <p:spPr>
           <a:xfrm>
-            <a:off x="457200" y="273050"/>
-            <a:ext cx="3008313" cy="1162050"/>
+            <a:off x="457202" y="250866"/>
+            <a:ext cx="3008313" cy="1067633"/>
           </a:xfrm>
         </p:spPr>
         <p:txBody>
@@ -2325,8 +2325,8 @@
         </p:nvSpPr>
         <p:spPr>
           <a:xfrm>
-            <a:off x="3575050" y="273050"/>
-            <a:ext cx="5111750" cy="5853113"/>
+            <a:off x="3575050" y="250866"/>
+            <a:ext cx="5111750" cy="5377548"/>
           </a:xfrm>
         </p:spPr>
         <p:txBody>
@@ -2442,8 +2442,8 @@
         </p:nvSpPr>
         <p:spPr>
           <a:xfrm>
-            <a:off x="457200" y="1435100"/>
-            <a:ext cx="3008313" cy="4691063"/>
+            <a:off x="457202" y="1318499"/>
+            <a:ext cx="3008313" cy="4309914"/>
           </a:xfrm>
         </p:spPr>
         <p:txBody>
@@ -2512,7 +2512,7 @@
           <a:p>
             <a:fld id="{B5CA565D-B2B5-478A-B2C3-113F166969BB}" type="datetimeFigureOut">
               <a:rPr kumimoji="1" lang="ja-JP" altLang="en-US" smtClean="0"/>
-              <a:t>2016/1/1</a:t>
+              <a:t>2016/4/17</a:t>
             </a:fld>
             <a:endParaRPr kumimoji="1" lang="ja-JP" altLang="en-US"/>
           </a:p>
@@ -2602,8 +2602,8 @@
         </p:nvSpPr>
         <p:spPr>
           <a:xfrm>
-            <a:off x="1792288" y="4800600"/>
-            <a:ext cx="5486400" cy="566738"/>
+            <a:off x="1792288" y="4410552"/>
+            <a:ext cx="5486400" cy="520690"/>
           </a:xfrm>
         </p:spPr>
         <p:txBody>
@@ -2634,8 +2634,8 @@
         </p:nvSpPr>
         <p:spPr>
           <a:xfrm>
-            <a:off x="1792288" y="612775"/>
-            <a:ext cx="5486400" cy="4114800"/>
+            <a:off x="1792288" y="562987"/>
+            <a:ext cx="5486400" cy="3780473"/>
           </a:xfrm>
         </p:spPr>
         <p:txBody>
@@ -2695,8 +2695,8 @@
         </p:nvSpPr>
         <p:spPr>
           <a:xfrm>
-            <a:off x="1792288" y="5367338"/>
-            <a:ext cx="5486400" cy="804862"/>
+            <a:off x="1792288" y="4931242"/>
+            <a:ext cx="5486400" cy="739467"/>
           </a:xfrm>
         </p:spPr>
         <p:txBody>
@@ -2765,7 +2765,7 @@
           <a:p>
             <a:fld id="{B5CA565D-B2B5-478A-B2C3-113F166969BB}" type="datetimeFigureOut">
               <a:rPr kumimoji="1" lang="ja-JP" altLang="en-US" smtClean="0"/>
-              <a:t>2016/1/1</a:t>
+              <a:t>2016/4/17</a:t>
             </a:fld>
             <a:endParaRPr kumimoji="1" lang="ja-JP" altLang="en-US"/>
           </a:p>
@@ -2860,8 +2860,8 @@
         </p:nvSpPr>
         <p:spPr>
           <a:xfrm>
-            <a:off x="457200" y="274638"/>
-            <a:ext cx="8229600" cy="1143000"/>
+            <a:off x="457200" y="252324"/>
+            <a:ext cx="8229600" cy="1050131"/>
           </a:xfrm>
           <a:prstGeom prst="rect">
             <a:avLst/>
@@ -2893,8 +2893,8 @@
         </p:nvSpPr>
         <p:spPr>
           <a:xfrm>
-            <a:off x="457200" y="1600200"/>
-            <a:ext cx="8229600" cy="4525963"/>
+            <a:off x="457200" y="1470185"/>
+            <a:ext cx="8229600" cy="4158229"/>
           </a:xfrm>
           <a:prstGeom prst="rect">
             <a:avLst/>
@@ -2987,8 +2987,8 @@
         </p:nvSpPr>
         <p:spPr>
           <a:xfrm>
-            <a:off x="457200" y="6356350"/>
-            <a:ext cx="2133600" cy="365125"/>
+            <a:off x="457200" y="5839897"/>
+            <a:ext cx="2133600" cy="335459"/>
           </a:xfrm>
           <a:prstGeom prst="rect">
             <a:avLst/>
@@ -3010,7 +3010,7 @@
           <a:p>
             <a:fld id="{B5CA565D-B2B5-478A-B2C3-113F166969BB}" type="datetimeFigureOut">
               <a:rPr kumimoji="1" lang="ja-JP" altLang="en-US" smtClean="0"/>
-              <a:t>2016/1/1</a:t>
+              <a:t>2016/4/17</a:t>
             </a:fld>
             <a:endParaRPr kumimoji="1" lang="ja-JP" altLang="en-US"/>
           </a:p>
@@ -3028,8 +3028,8 @@
         </p:nvSpPr>
         <p:spPr>
           <a:xfrm>
-            <a:off x="3124200" y="6356350"/>
-            <a:ext cx="2895600" cy="365125"/>
+            <a:off x="3124200" y="5839897"/>
+            <a:ext cx="2895600" cy="335459"/>
           </a:xfrm>
           <a:prstGeom prst="rect">
             <a:avLst/>
@@ -3065,8 +3065,8 @@
         </p:nvSpPr>
         <p:spPr>
           <a:xfrm>
-            <a:off x="6553200" y="6356350"/>
-            <a:ext cx="2133600" cy="365125"/>
+            <a:off x="6553200" y="5839897"/>
+            <a:ext cx="2133600" cy="335459"/>
           </a:xfrm>
           <a:prstGeom prst="rect">
             <a:avLst/>
@@ -3387,7 +3387,7 @@
       </p:grpSpPr>
       <p:sp>
         <p:nvSpPr>
-          <p:cNvPr id="21" name="円/楕円 20"/>
+          <p:cNvPr id="15" name="円/楕円 14"/>
           <p:cNvSpPr/>
           <p:nvPr/>
         </p:nvSpPr>
@@ -3399,6 +3399,12 @@
           <a:prstGeom prst="ellipse">
             <a:avLst/>
           </a:prstGeom>
+          <a:solidFill>
+            <a:srgbClr val="FF0066"/>
+          </a:solidFill>
+          <a:ln>
+            <a:noFill/>
+          </a:ln>
         </p:spPr>
         <p:style>
           <a:lnRef idx="2">
@@ -3417,24 +3423,24 @@
           </a:fontRef>
         </p:style>
         <p:txBody>
-          <a:bodyPr rtlCol="0" anchor="ctr"/>
+          <a:bodyPr lIns="91429" tIns="45715" rIns="91429" bIns="45715" rtlCol="0" anchor="ctr"/>
           <a:lstStyle/>
           <a:p>
             <a:pPr algn="ctr"/>
             <a:r>
-              <a:rPr kumimoji="1" lang="en-US" altLang="ja-JP" dirty="0" smtClean="0"/>
+              <a:rPr lang="en-US" altLang="ja-JP" dirty="0"/>
               <a:t>A</a:t>
             </a:r>
-            <a:endParaRPr kumimoji="1" lang="ja-JP" altLang="en-US" dirty="0"/>
+            <a:endParaRPr lang="ja-JP" altLang="en-US" dirty="0"/>
           </a:p>
         </p:txBody>
       </p:sp>
       <p:cxnSp>
         <p:nvCxnSpPr>
-          <p:cNvPr id="22" name="直線矢印コネクタ 21"/>
+          <p:cNvPr id="16" name="直線矢印コネクタ 15"/>
           <p:cNvCxnSpPr>
-            <a:stCxn id="23" idx="2"/>
-            <a:endCxn id="21" idx="6"/>
+            <a:stCxn id="17" idx="2"/>
+            <a:endCxn id="15" idx="6"/>
           </p:cNvCxnSpPr>
           <p:nvPr/>
         </p:nvCxnSpPr>
@@ -3446,11 +3452,11 @@
           <a:prstGeom prst="straightConnector1">
             <a:avLst/>
           </a:prstGeom>
-          <a:ln w="19050">
+          <a:ln w="31750">
             <a:solidFill>
               <a:schemeClr val="tx1"/>
             </a:solidFill>
-            <a:prstDash val="sysDash"/>
+            <a:prstDash val="sysDot"/>
             <a:tailEnd type="triangle" w="lg" len="med"/>
           </a:ln>
         </p:spPr>
@@ -3471,7 +3477,7 @@
       </p:cxnSp>
       <p:sp>
         <p:nvSpPr>
-          <p:cNvPr id="23" name="円/楕円 22"/>
+          <p:cNvPr id="17" name="円/楕円 16"/>
           <p:cNvSpPr/>
           <p:nvPr/>
         </p:nvSpPr>
@@ -3483,6 +3489,12 @@
           <a:prstGeom prst="ellipse">
             <a:avLst/>
           </a:prstGeom>
+          <a:solidFill>
+            <a:srgbClr val="FF0066"/>
+          </a:solidFill>
+          <a:ln>
+            <a:noFill/>
+          </a:ln>
         </p:spPr>
         <p:style>
           <a:lnRef idx="2">
@@ -3501,21 +3513,21 @@
           </a:fontRef>
         </p:style>
         <p:txBody>
-          <a:bodyPr rtlCol="0" anchor="ctr"/>
+          <a:bodyPr lIns="91429" tIns="45715" rIns="91429" bIns="45715" rtlCol="0" anchor="ctr"/>
           <a:lstStyle/>
           <a:p>
             <a:pPr algn="ctr"/>
             <a:r>
-              <a:rPr kumimoji="1" lang="en-US" altLang="ja-JP" dirty="0" smtClean="0"/>
+              <a:rPr lang="en-US" altLang="ja-JP" dirty="0"/>
               <a:t>B</a:t>
             </a:r>
-            <a:endParaRPr kumimoji="1" lang="ja-JP" altLang="en-US" dirty="0"/>
-          </a:p>
-        </p:txBody>
-      </p:sp>
-      <p:sp>
-        <p:nvSpPr>
-          <p:cNvPr id="24" name="円/楕円 23"/>
+            <a:endParaRPr lang="ja-JP" altLang="en-US" dirty="0"/>
+          </a:p>
+        </p:txBody>
+      </p:sp>
+      <p:sp>
+        <p:nvSpPr>
+          <p:cNvPr id="18" name="円/楕円 17"/>
           <p:cNvSpPr/>
           <p:nvPr/>
         </p:nvSpPr>
@@ -3527,6 +3539,12 @@
           <a:prstGeom prst="ellipse">
             <a:avLst/>
           </a:prstGeom>
+          <a:solidFill>
+            <a:srgbClr val="FF0066"/>
+          </a:solidFill>
+          <a:ln>
+            <a:noFill/>
+          </a:ln>
         </p:spPr>
         <p:style>
           <a:lnRef idx="2">
@@ -3545,24 +3563,24 @@
           </a:fontRef>
         </p:style>
         <p:txBody>
-          <a:bodyPr rtlCol="0" anchor="ctr"/>
+          <a:bodyPr lIns="91429" tIns="45715" rIns="91429" bIns="45715" rtlCol="0" anchor="ctr"/>
           <a:lstStyle/>
           <a:p>
             <a:pPr algn="ctr"/>
             <a:r>
-              <a:rPr kumimoji="1" lang="en-US" altLang="ja-JP" dirty="0" smtClean="0"/>
+              <a:rPr lang="en-US" altLang="ja-JP" dirty="0"/>
               <a:t>C</a:t>
             </a:r>
-            <a:endParaRPr kumimoji="1" lang="ja-JP" altLang="en-US" dirty="0"/>
+            <a:endParaRPr lang="ja-JP" altLang="en-US" dirty="0"/>
           </a:p>
         </p:txBody>
       </p:sp>
       <p:cxnSp>
         <p:nvCxnSpPr>
-          <p:cNvPr id="25" name="直線矢印コネクタ 24"/>
+          <p:cNvPr id="19" name="直線矢印コネクタ 18"/>
           <p:cNvCxnSpPr>
-            <a:stCxn id="24" idx="2"/>
-            <a:endCxn id="23" idx="6"/>
+            <a:stCxn id="18" idx="2"/>
+            <a:endCxn id="17" idx="6"/>
           </p:cNvCxnSpPr>
           <p:nvPr/>
         </p:nvCxnSpPr>
@@ -3574,11 +3592,11 @@
           <a:prstGeom prst="straightConnector1">
             <a:avLst/>
           </a:prstGeom>
-          <a:ln w="19050">
+          <a:ln w="31750">
             <a:solidFill>
               <a:schemeClr val="tx1"/>
             </a:solidFill>
-            <a:prstDash val="sysDash"/>
+            <a:prstDash val="sysDot"/>
             <a:tailEnd type="triangle" w="lg" len="med"/>
           </a:ln>
         </p:spPr>
@@ -3599,7 +3617,7 @@
       </p:cxnSp>
       <p:cxnSp>
         <p:nvCxnSpPr>
-          <p:cNvPr id="26" name="直線矢印コネクタ 25"/>
+          <p:cNvPr id="20" name="直線矢印コネクタ 19"/>
           <p:cNvCxnSpPr/>
           <p:nvPr/>
         </p:nvCxnSpPr>
@@ -3611,11 +3629,11 @@
           <a:prstGeom prst="straightConnector1">
             <a:avLst/>
           </a:prstGeom>
-          <a:ln w="19050">
+          <a:ln w="31750">
             <a:solidFill>
               <a:schemeClr val="tx1"/>
             </a:solidFill>
-            <a:prstDash val="sysDash"/>
+            <a:prstDash val="sysDot"/>
             <a:tailEnd type="triangle" w="lg" len="med"/>
           </a:ln>
         </p:spPr>
@@ -3636,7 +3654,7 @@
       </p:cxnSp>
       <p:sp>
         <p:nvSpPr>
-          <p:cNvPr id="27" name="正方形/長方形 26"/>
+          <p:cNvPr id="30" name="正方形/長方形 29"/>
           <p:cNvSpPr/>
           <p:nvPr/>
         </p:nvSpPr>
@@ -3649,6 +3667,7 @@
             <a:avLst/>
           </a:prstGeom>
           <a:ln>
+            <a:noFill/>
             <a:prstDash val="sysDash"/>
           </a:ln>
         </p:spPr>
@@ -3669,21 +3688,21 @@
           </a:fontRef>
         </p:style>
         <p:txBody>
-          <a:bodyPr rtlCol="0" anchor="ctr"/>
+          <a:bodyPr lIns="91429" tIns="45715" rIns="91429" bIns="45715" rtlCol="0" anchor="ctr"/>
           <a:lstStyle/>
           <a:p>
             <a:pPr algn="ctr"/>
             <a:r>
-              <a:rPr kumimoji="1" lang="en-US" altLang="ja-JP" dirty="0" smtClean="0"/>
+              <a:rPr lang="en-US" altLang="ja-JP" dirty="0"/>
               <a:t>master</a:t>
             </a:r>
-            <a:endParaRPr kumimoji="1" lang="ja-JP" altLang="en-US" dirty="0"/>
-          </a:p>
-        </p:txBody>
-      </p:sp>
-      <p:sp>
-        <p:nvSpPr>
-          <p:cNvPr id="28" name="円/楕円 27"/>
+            <a:endParaRPr lang="ja-JP" altLang="en-US" dirty="0"/>
+          </a:p>
+        </p:txBody>
+      </p:sp>
+      <p:sp>
+        <p:nvSpPr>
+          <p:cNvPr id="31" name="円/楕円 30"/>
           <p:cNvSpPr/>
           <p:nvPr/>
         </p:nvSpPr>
@@ -3695,6 +3714,12 @@
           <a:prstGeom prst="ellipse">
             <a:avLst/>
           </a:prstGeom>
+          <a:solidFill>
+            <a:srgbClr val="FF0066"/>
+          </a:solidFill>
+          <a:ln>
+            <a:noFill/>
+          </a:ln>
         </p:spPr>
         <p:style>
           <a:lnRef idx="2">
@@ -3713,24 +3738,24 @@
           </a:fontRef>
         </p:style>
         <p:txBody>
-          <a:bodyPr rtlCol="0" anchor="ctr"/>
+          <a:bodyPr lIns="91429" tIns="45715" rIns="91429" bIns="45715" rtlCol="0" anchor="ctr"/>
           <a:lstStyle/>
           <a:p>
             <a:pPr algn="ctr"/>
             <a:r>
-              <a:rPr kumimoji="1" lang="en-US" altLang="ja-JP" dirty="0" smtClean="0"/>
+              <a:rPr lang="en-US" altLang="ja-JP" dirty="0"/>
               <a:t>D</a:t>
             </a:r>
-            <a:endParaRPr kumimoji="1" lang="ja-JP" altLang="en-US" dirty="0"/>
+            <a:endParaRPr lang="ja-JP" altLang="en-US" dirty="0"/>
           </a:p>
         </p:txBody>
       </p:sp>
       <p:cxnSp>
         <p:nvCxnSpPr>
-          <p:cNvPr id="29" name="直線矢印コネクタ 28"/>
+          <p:cNvPr id="32" name="直線矢印コネクタ 31"/>
           <p:cNvCxnSpPr>
-            <a:stCxn id="28" idx="2"/>
-            <a:endCxn id="24" idx="6"/>
+            <a:stCxn id="31" idx="2"/>
+            <a:endCxn id="18" idx="6"/>
           </p:cNvCxnSpPr>
           <p:nvPr/>
         </p:nvCxnSpPr>
@@ -3742,11 +3767,11 @@
           <a:prstGeom prst="straightConnector1">
             <a:avLst/>
           </a:prstGeom>
-          <a:ln w="19050">
+          <a:ln w="31750">
             <a:solidFill>
               <a:schemeClr val="tx1"/>
             </a:solidFill>
-            <a:prstDash val="sysDash"/>
+            <a:prstDash val="sysDot"/>
             <a:tailEnd type="triangle" w="lg" len="med"/>
           </a:ln>
         </p:spPr>
@@ -3765,54 +3790,9 @@
           </a:fontRef>
         </p:style>
       </p:cxnSp>
-      <p:sp>
-        <p:nvSpPr>
-          <p:cNvPr id="37" name="テキスト ボックス 36"/>
-          <p:cNvSpPr txBox="1"/>
-          <p:nvPr/>
-        </p:nvSpPr>
-        <p:spPr>
-          <a:xfrm>
-            <a:off x="267552" y="478413"/>
-            <a:ext cx="8624928" cy="646331"/>
-          </a:xfrm>
-          <a:prstGeom prst="rect">
-            <a:avLst/>
-          </a:prstGeom>
-          <a:noFill/>
-        </p:spPr>
-        <p:txBody>
-          <a:bodyPr wrap="square" rtlCol="0">
-            <a:spAutoFit/>
-          </a:bodyPr>
-          <a:lstStyle/>
-          <a:p>
-            <a:r>
-              <a:rPr kumimoji="1" lang="ja-JP" altLang="en-US" dirty="0" smtClean="0"/>
-              <a:t>初期状態。</a:t>
-            </a:r>
-            <a:endParaRPr kumimoji="1" lang="en-US" altLang="ja-JP" dirty="0" smtClean="0"/>
-          </a:p>
-          <a:p>
-            <a:r>
-              <a:rPr lang="ja-JP" altLang="en-US" dirty="0" smtClean="0"/>
-              <a:t>コミット</a:t>
-            </a:r>
-            <a:r>
-              <a:rPr lang="en-US" altLang="ja-JP" dirty="0" smtClean="0"/>
-              <a:t>D</a:t>
-            </a:r>
-            <a:r>
-              <a:rPr lang="ja-JP" altLang="en-US" dirty="0" smtClean="0"/>
-              <a:t>が持ち込んだ変更が間違っていたとする。</a:t>
-            </a:r>
-            <a:endParaRPr lang="en-US" altLang="ja-JP" dirty="0" smtClean="0"/>
-          </a:p>
-        </p:txBody>
-      </p:sp>
       <p:cxnSp>
         <p:nvCxnSpPr>
-          <p:cNvPr id="12" name="直線矢印コネクタ 11"/>
+          <p:cNvPr id="33" name="直線矢印コネクタ 32"/>
           <p:cNvCxnSpPr/>
           <p:nvPr/>
         </p:nvCxnSpPr>
@@ -3824,11 +3804,11 @@
           <a:prstGeom prst="straightConnector1">
             <a:avLst/>
           </a:prstGeom>
-          <a:ln w="19050">
+          <a:ln w="31750">
             <a:solidFill>
               <a:schemeClr val="tx1"/>
             </a:solidFill>
-            <a:prstDash val="sysDash"/>
+            <a:prstDash val="sysDot"/>
             <a:tailEnd type="triangle" w="lg" len="med"/>
           </a:ln>
         </p:spPr>
@@ -3849,7 +3829,7 @@
       </p:cxnSp>
       <p:sp>
         <p:nvSpPr>
-          <p:cNvPr id="13" name="正方形/長方形 12"/>
+          <p:cNvPr id="34" name="正方形/長方形 33"/>
           <p:cNvSpPr/>
           <p:nvPr/>
         </p:nvSpPr>
@@ -3862,6 +3842,7 @@
             <a:avLst/>
           </a:prstGeom>
           <a:ln>
+            <a:noFill/>
             <a:prstDash val="sysDash"/>
           </a:ln>
         </p:spPr>
@@ -3882,15 +3863,376 @@
           </a:fontRef>
         </p:style>
         <p:txBody>
-          <a:bodyPr rtlCol="0" anchor="ctr"/>
+          <a:bodyPr lIns="91429" tIns="45715" rIns="91429" bIns="45715" rtlCol="0" anchor="ctr"/>
           <a:lstStyle/>
           <a:p>
             <a:pPr algn="ctr"/>
             <a:r>
-              <a:rPr kumimoji="1" lang="en-US" altLang="ja-JP" dirty="0" smtClean="0"/>
+              <a:rPr lang="en-US" altLang="ja-JP" dirty="0"/>
               <a:t>HEAD</a:t>
             </a:r>
-            <a:endParaRPr kumimoji="1" lang="ja-JP" altLang="en-US" dirty="0"/>
+            <a:endParaRPr lang="ja-JP" altLang="en-US" dirty="0"/>
+          </a:p>
+        </p:txBody>
+      </p:sp>
+      <p:sp>
+        <p:nvSpPr>
+          <p:cNvPr id="35" name="角丸四角形吹き出し 70"/>
+          <p:cNvSpPr/>
+          <p:nvPr/>
+        </p:nvSpPr>
+        <p:spPr>
+          <a:xfrm>
+            <a:off x="203401" y="123901"/>
+            <a:ext cx="8737200" cy="1433282"/>
+          </a:xfrm>
+          <a:custGeom>
+            <a:avLst/>
+            <a:gdLst>
+              <a:gd name="connsiteX0" fmla="*/ 0 w 8541658"/>
+              <a:gd name="connsiteY0" fmla="*/ 214817 h 1288876"/>
+              <a:gd name="connsiteX1" fmla="*/ 214817 w 8541658"/>
+              <a:gd name="connsiteY1" fmla="*/ 0 h 1288876"/>
+              <a:gd name="connsiteX2" fmla="*/ 1423610 w 8541658"/>
+              <a:gd name="connsiteY2" fmla="*/ 0 h 1288876"/>
+              <a:gd name="connsiteX3" fmla="*/ 1423610 w 8541658"/>
+              <a:gd name="connsiteY3" fmla="*/ 0 h 1288876"/>
+              <a:gd name="connsiteX4" fmla="*/ 3559024 w 8541658"/>
+              <a:gd name="connsiteY4" fmla="*/ 0 h 1288876"/>
+              <a:gd name="connsiteX5" fmla="*/ 8326841 w 8541658"/>
+              <a:gd name="connsiteY5" fmla="*/ 0 h 1288876"/>
+              <a:gd name="connsiteX6" fmla="*/ 8541658 w 8541658"/>
+              <a:gd name="connsiteY6" fmla="*/ 214817 h 1288876"/>
+              <a:gd name="connsiteX7" fmla="*/ 8541658 w 8541658"/>
+              <a:gd name="connsiteY7" fmla="*/ 751844 h 1288876"/>
+              <a:gd name="connsiteX8" fmla="*/ 8541658 w 8541658"/>
+              <a:gd name="connsiteY8" fmla="*/ 751844 h 1288876"/>
+              <a:gd name="connsiteX9" fmla="*/ 8541658 w 8541658"/>
+              <a:gd name="connsiteY9" fmla="*/ 1074063 h 1288876"/>
+              <a:gd name="connsiteX10" fmla="*/ 8541658 w 8541658"/>
+              <a:gd name="connsiteY10" fmla="*/ 1074059 h 1288876"/>
+              <a:gd name="connsiteX11" fmla="*/ 8326841 w 8541658"/>
+              <a:gd name="connsiteY11" fmla="*/ 1288876 h 1288876"/>
+              <a:gd name="connsiteX12" fmla="*/ 3559024 w 8541658"/>
+              <a:gd name="connsiteY12" fmla="*/ 1288876 h 1288876"/>
+              <a:gd name="connsiteX13" fmla="*/ 2230227 w 8541658"/>
+              <a:gd name="connsiteY13" fmla="*/ 1471381 h 1288876"/>
+              <a:gd name="connsiteX14" fmla="*/ 1423610 w 8541658"/>
+              <a:gd name="connsiteY14" fmla="*/ 1288876 h 1288876"/>
+              <a:gd name="connsiteX15" fmla="*/ 214817 w 8541658"/>
+              <a:gd name="connsiteY15" fmla="*/ 1288876 h 1288876"/>
+              <a:gd name="connsiteX16" fmla="*/ 0 w 8541658"/>
+              <a:gd name="connsiteY16" fmla="*/ 1074059 h 1288876"/>
+              <a:gd name="connsiteX17" fmla="*/ 0 w 8541658"/>
+              <a:gd name="connsiteY17" fmla="*/ 1074063 h 1288876"/>
+              <a:gd name="connsiteX18" fmla="*/ 0 w 8541658"/>
+              <a:gd name="connsiteY18" fmla="*/ 751844 h 1288876"/>
+              <a:gd name="connsiteX19" fmla="*/ 0 w 8541658"/>
+              <a:gd name="connsiteY19" fmla="*/ 751844 h 1288876"/>
+              <a:gd name="connsiteX20" fmla="*/ 0 w 8541658"/>
+              <a:gd name="connsiteY20" fmla="*/ 214817 h 1288876"/>
+              <a:gd name="connsiteX0" fmla="*/ 0 w 8541658"/>
+              <a:gd name="connsiteY0" fmla="*/ 214817 h 1471381"/>
+              <a:gd name="connsiteX1" fmla="*/ 214817 w 8541658"/>
+              <a:gd name="connsiteY1" fmla="*/ 0 h 1471381"/>
+              <a:gd name="connsiteX2" fmla="*/ 1423610 w 8541658"/>
+              <a:gd name="connsiteY2" fmla="*/ 0 h 1471381"/>
+              <a:gd name="connsiteX3" fmla="*/ 1423610 w 8541658"/>
+              <a:gd name="connsiteY3" fmla="*/ 0 h 1471381"/>
+              <a:gd name="connsiteX4" fmla="*/ 3559024 w 8541658"/>
+              <a:gd name="connsiteY4" fmla="*/ 0 h 1471381"/>
+              <a:gd name="connsiteX5" fmla="*/ 8326841 w 8541658"/>
+              <a:gd name="connsiteY5" fmla="*/ 0 h 1471381"/>
+              <a:gd name="connsiteX6" fmla="*/ 8541658 w 8541658"/>
+              <a:gd name="connsiteY6" fmla="*/ 214817 h 1471381"/>
+              <a:gd name="connsiteX7" fmla="*/ 8541658 w 8541658"/>
+              <a:gd name="connsiteY7" fmla="*/ 751844 h 1471381"/>
+              <a:gd name="connsiteX8" fmla="*/ 8541658 w 8541658"/>
+              <a:gd name="connsiteY8" fmla="*/ 751844 h 1471381"/>
+              <a:gd name="connsiteX9" fmla="*/ 8541658 w 8541658"/>
+              <a:gd name="connsiteY9" fmla="*/ 1074063 h 1471381"/>
+              <a:gd name="connsiteX10" fmla="*/ 8541658 w 8541658"/>
+              <a:gd name="connsiteY10" fmla="*/ 1074059 h 1471381"/>
+              <a:gd name="connsiteX11" fmla="*/ 8326841 w 8541658"/>
+              <a:gd name="connsiteY11" fmla="*/ 1288876 h 1471381"/>
+              <a:gd name="connsiteX12" fmla="*/ 1852144 w 8541658"/>
+              <a:gd name="connsiteY12" fmla="*/ 1288876 h 1471381"/>
+              <a:gd name="connsiteX13" fmla="*/ 2230227 w 8541658"/>
+              <a:gd name="connsiteY13" fmla="*/ 1471381 h 1471381"/>
+              <a:gd name="connsiteX14" fmla="*/ 1423610 w 8541658"/>
+              <a:gd name="connsiteY14" fmla="*/ 1288876 h 1471381"/>
+              <a:gd name="connsiteX15" fmla="*/ 214817 w 8541658"/>
+              <a:gd name="connsiteY15" fmla="*/ 1288876 h 1471381"/>
+              <a:gd name="connsiteX16" fmla="*/ 0 w 8541658"/>
+              <a:gd name="connsiteY16" fmla="*/ 1074059 h 1471381"/>
+              <a:gd name="connsiteX17" fmla="*/ 0 w 8541658"/>
+              <a:gd name="connsiteY17" fmla="*/ 1074063 h 1471381"/>
+              <a:gd name="connsiteX18" fmla="*/ 0 w 8541658"/>
+              <a:gd name="connsiteY18" fmla="*/ 751844 h 1471381"/>
+              <a:gd name="connsiteX19" fmla="*/ 0 w 8541658"/>
+              <a:gd name="connsiteY19" fmla="*/ 751844 h 1471381"/>
+              <a:gd name="connsiteX20" fmla="*/ 0 w 8541658"/>
+              <a:gd name="connsiteY20" fmla="*/ 214817 h 1471381"/>
+              <a:gd name="connsiteX0" fmla="*/ 0 w 8541658"/>
+              <a:gd name="connsiteY0" fmla="*/ 214817 h 1433281"/>
+              <a:gd name="connsiteX1" fmla="*/ 214817 w 8541658"/>
+              <a:gd name="connsiteY1" fmla="*/ 0 h 1433281"/>
+              <a:gd name="connsiteX2" fmla="*/ 1423610 w 8541658"/>
+              <a:gd name="connsiteY2" fmla="*/ 0 h 1433281"/>
+              <a:gd name="connsiteX3" fmla="*/ 1423610 w 8541658"/>
+              <a:gd name="connsiteY3" fmla="*/ 0 h 1433281"/>
+              <a:gd name="connsiteX4" fmla="*/ 3559024 w 8541658"/>
+              <a:gd name="connsiteY4" fmla="*/ 0 h 1433281"/>
+              <a:gd name="connsiteX5" fmla="*/ 8326841 w 8541658"/>
+              <a:gd name="connsiteY5" fmla="*/ 0 h 1433281"/>
+              <a:gd name="connsiteX6" fmla="*/ 8541658 w 8541658"/>
+              <a:gd name="connsiteY6" fmla="*/ 214817 h 1433281"/>
+              <a:gd name="connsiteX7" fmla="*/ 8541658 w 8541658"/>
+              <a:gd name="connsiteY7" fmla="*/ 751844 h 1433281"/>
+              <a:gd name="connsiteX8" fmla="*/ 8541658 w 8541658"/>
+              <a:gd name="connsiteY8" fmla="*/ 751844 h 1433281"/>
+              <a:gd name="connsiteX9" fmla="*/ 8541658 w 8541658"/>
+              <a:gd name="connsiteY9" fmla="*/ 1074063 h 1433281"/>
+              <a:gd name="connsiteX10" fmla="*/ 8541658 w 8541658"/>
+              <a:gd name="connsiteY10" fmla="*/ 1074059 h 1433281"/>
+              <a:gd name="connsiteX11" fmla="*/ 8326841 w 8541658"/>
+              <a:gd name="connsiteY11" fmla="*/ 1288876 h 1433281"/>
+              <a:gd name="connsiteX12" fmla="*/ 1852144 w 8541658"/>
+              <a:gd name="connsiteY12" fmla="*/ 1288876 h 1433281"/>
+              <a:gd name="connsiteX13" fmla="*/ 1864467 w 8541658"/>
+              <a:gd name="connsiteY13" fmla="*/ 1433281 h 1433281"/>
+              <a:gd name="connsiteX14" fmla="*/ 1423610 w 8541658"/>
+              <a:gd name="connsiteY14" fmla="*/ 1288876 h 1433281"/>
+              <a:gd name="connsiteX15" fmla="*/ 214817 w 8541658"/>
+              <a:gd name="connsiteY15" fmla="*/ 1288876 h 1433281"/>
+              <a:gd name="connsiteX16" fmla="*/ 0 w 8541658"/>
+              <a:gd name="connsiteY16" fmla="*/ 1074059 h 1433281"/>
+              <a:gd name="connsiteX17" fmla="*/ 0 w 8541658"/>
+              <a:gd name="connsiteY17" fmla="*/ 1074063 h 1433281"/>
+              <a:gd name="connsiteX18" fmla="*/ 0 w 8541658"/>
+              <a:gd name="connsiteY18" fmla="*/ 751844 h 1433281"/>
+              <a:gd name="connsiteX19" fmla="*/ 0 w 8541658"/>
+              <a:gd name="connsiteY19" fmla="*/ 751844 h 1433281"/>
+              <a:gd name="connsiteX20" fmla="*/ 0 w 8541658"/>
+              <a:gd name="connsiteY20" fmla="*/ 214817 h 1433281"/>
+            </a:gdLst>
+            <a:ahLst/>
+            <a:cxnLst>
+              <a:cxn ang="0">
+                <a:pos x="connsiteX0" y="connsiteY0"/>
+              </a:cxn>
+              <a:cxn ang="0">
+                <a:pos x="connsiteX1" y="connsiteY1"/>
+              </a:cxn>
+              <a:cxn ang="0">
+                <a:pos x="connsiteX2" y="connsiteY2"/>
+              </a:cxn>
+              <a:cxn ang="0">
+                <a:pos x="connsiteX3" y="connsiteY3"/>
+              </a:cxn>
+              <a:cxn ang="0">
+                <a:pos x="connsiteX4" y="connsiteY4"/>
+              </a:cxn>
+              <a:cxn ang="0">
+                <a:pos x="connsiteX5" y="connsiteY5"/>
+              </a:cxn>
+              <a:cxn ang="0">
+                <a:pos x="connsiteX6" y="connsiteY6"/>
+              </a:cxn>
+              <a:cxn ang="0">
+                <a:pos x="connsiteX7" y="connsiteY7"/>
+              </a:cxn>
+              <a:cxn ang="0">
+                <a:pos x="connsiteX8" y="connsiteY8"/>
+              </a:cxn>
+              <a:cxn ang="0">
+                <a:pos x="connsiteX9" y="connsiteY9"/>
+              </a:cxn>
+              <a:cxn ang="0">
+                <a:pos x="connsiteX10" y="connsiteY10"/>
+              </a:cxn>
+              <a:cxn ang="0">
+                <a:pos x="connsiteX11" y="connsiteY11"/>
+              </a:cxn>
+              <a:cxn ang="0">
+                <a:pos x="connsiteX12" y="connsiteY12"/>
+              </a:cxn>
+              <a:cxn ang="0">
+                <a:pos x="connsiteX13" y="connsiteY13"/>
+              </a:cxn>
+              <a:cxn ang="0">
+                <a:pos x="connsiteX14" y="connsiteY14"/>
+              </a:cxn>
+              <a:cxn ang="0">
+                <a:pos x="connsiteX15" y="connsiteY15"/>
+              </a:cxn>
+              <a:cxn ang="0">
+                <a:pos x="connsiteX16" y="connsiteY16"/>
+              </a:cxn>
+              <a:cxn ang="0">
+                <a:pos x="connsiteX17" y="connsiteY17"/>
+              </a:cxn>
+              <a:cxn ang="0">
+                <a:pos x="connsiteX18" y="connsiteY18"/>
+              </a:cxn>
+              <a:cxn ang="0">
+                <a:pos x="connsiteX19" y="connsiteY19"/>
+              </a:cxn>
+              <a:cxn ang="0">
+                <a:pos x="connsiteX20" y="connsiteY20"/>
+              </a:cxn>
+            </a:cxnLst>
+            <a:rect l="l" t="t" r="r" b="b"/>
+            <a:pathLst>
+              <a:path w="8541658" h="1433281">
+                <a:moveTo>
+                  <a:pt x="0" y="214817"/>
+                </a:moveTo>
+                <a:cubicBezTo>
+                  <a:pt x="0" y="96177"/>
+                  <a:pt x="96177" y="0"/>
+                  <a:pt x="214817" y="0"/>
+                </a:cubicBezTo>
+                <a:lnTo>
+                  <a:pt x="1423610" y="0"/>
+                </a:lnTo>
+                <a:lnTo>
+                  <a:pt x="1423610" y="0"/>
+                </a:lnTo>
+                <a:lnTo>
+                  <a:pt x="3559024" y="0"/>
+                </a:lnTo>
+                <a:lnTo>
+                  <a:pt x="8326841" y="0"/>
+                </a:lnTo>
+                <a:cubicBezTo>
+                  <a:pt x="8445481" y="0"/>
+                  <a:pt x="8541658" y="96177"/>
+                  <a:pt x="8541658" y="214817"/>
+                </a:cubicBezTo>
+                <a:lnTo>
+                  <a:pt x="8541658" y="751844"/>
+                </a:lnTo>
+                <a:lnTo>
+                  <a:pt x="8541658" y="751844"/>
+                </a:lnTo>
+                <a:lnTo>
+                  <a:pt x="8541658" y="1074063"/>
+                </a:lnTo>
+                <a:lnTo>
+                  <a:pt x="8541658" y="1074059"/>
+                </a:lnTo>
+                <a:cubicBezTo>
+                  <a:pt x="8541658" y="1192699"/>
+                  <a:pt x="8445481" y="1288876"/>
+                  <a:pt x="8326841" y="1288876"/>
+                </a:cubicBezTo>
+                <a:lnTo>
+                  <a:pt x="1852144" y="1288876"/>
+                </a:lnTo>
+                <a:lnTo>
+                  <a:pt x="1864467" y="1433281"/>
+                </a:lnTo>
+                <a:lnTo>
+                  <a:pt x="1423610" y="1288876"/>
+                </a:lnTo>
+                <a:lnTo>
+                  <a:pt x="214817" y="1288876"/>
+                </a:lnTo>
+                <a:cubicBezTo>
+                  <a:pt x="96177" y="1288876"/>
+                  <a:pt x="0" y="1192699"/>
+                  <a:pt x="0" y="1074059"/>
+                </a:cubicBezTo>
+                <a:lnTo>
+                  <a:pt x="0" y="1074063"/>
+                </a:lnTo>
+                <a:lnTo>
+                  <a:pt x="0" y="751844"/>
+                </a:lnTo>
+                <a:lnTo>
+                  <a:pt x="0" y="751844"/>
+                </a:lnTo>
+                <a:lnTo>
+                  <a:pt x="0" y="214817"/>
+                </a:lnTo>
+                <a:close/>
+              </a:path>
+            </a:pathLst>
+          </a:custGeom>
+          <a:solidFill>
+            <a:srgbClr val="03C924"/>
+          </a:solidFill>
+          <a:ln>
+            <a:noFill/>
+          </a:ln>
+        </p:spPr>
+        <p:style>
+          <a:lnRef idx="2">
+            <a:schemeClr val="accent1">
+              <a:shade val="50000"/>
+            </a:schemeClr>
+          </a:lnRef>
+          <a:fillRef idx="1">
+            <a:schemeClr val="accent1"/>
+          </a:fillRef>
+          <a:effectRef idx="0">
+            <a:schemeClr val="accent1"/>
+          </a:effectRef>
+          <a:fontRef idx="minor">
+            <a:schemeClr val="lt1"/>
+          </a:fontRef>
+        </p:style>
+        <p:txBody>
+          <a:bodyPr lIns="143983" tIns="143983" rIns="143983" bIns="0" rtlCol="0" anchor="ctr"/>
+          <a:lstStyle/>
+          <a:p>
+            <a:r>
+              <a:rPr lang="ja-JP" altLang="en-US" b="1" dirty="0">
+                <a:ea typeface="ＭＳ ゴシック" panose="020B0609070205080204" pitchFamily="49" charset="-128"/>
+              </a:rPr>
+              <a:t>初期状態。</a:t>
+            </a:r>
+          </a:p>
+          <a:p>
+            <a:r>
+              <a:rPr lang="ja-JP" altLang="en-US" b="1" dirty="0" smtClean="0">
+                <a:ea typeface="ＭＳ ゴシック" panose="020B0609070205080204" pitchFamily="49" charset="-128"/>
+              </a:rPr>
+              <a:t>コミット </a:t>
+            </a:r>
+            <a:r>
+              <a:rPr lang="en-US" altLang="ja-JP" b="1" dirty="0" smtClean="0">
+                <a:ea typeface="ＭＳ ゴシック" panose="020B0609070205080204" pitchFamily="49" charset="-128"/>
+              </a:rPr>
+              <a:t>D</a:t>
+            </a:r>
+            <a:r>
+              <a:rPr lang="ja-JP" altLang="en-US" b="1" dirty="0" smtClean="0">
+                <a:ea typeface="ＭＳ ゴシック" panose="020B0609070205080204" pitchFamily="49" charset="-128"/>
+              </a:rPr>
+              <a:t> が</a:t>
+            </a:r>
+            <a:r>
+              <a:rPr lang="ja-JP" altLang="en-US" b="1" dirty="0">
+                <a:ea typeface="ＭＳ ゴシック" panose="020B0609070205080204" pitchFamily="49" charset="-128"/>
+              </a:rPr>
+              <a:t>持ち込んだ変更が間違って</a:t>
+            </a:r>
+            <a:r>
+              <a:rPr lang="ja-JP" altLang="en-US" b="1" dirty="0" smtClean="0">
+                <a:ea typeface="ＭＳ ゴシック" panose="020B0609070205080204" pitchFamily="49" charset="-128"/>
+              </a:rPr>
+              <a:t>いたので戻したい。</a:t>
+            </a:r>
+            <a:endParaRPr lang="en-US" altLang="ja-JP" b="1" dirty="0" smtClean="0">
+              <a:ea typeface="ＭＳ ゴシック" panose="020B0609070205080204" pitchFamily="49" charset="-128"/>
+            </a:endParaRPr>
+          </a:p>
+          <a:p>
+            <a:endParaRPr lang="ja-JP" altLang="en-US" b="1" dirty="0">
+              <a:ea typeface="ＭＳ ゴシック" panose="020B0609070205080204" pitchFamily="49" charset="-128"/>
+            </a:endParaRPr>
           </a:p>
         </p:txBody>
       </p:sp>
@@ -3926,7 +4268,7 @@
       </p:grpSpPr>
       <p:sp>
         <p:nvSpPr>
-          <p:cNvPr id="21" name="円/楕円 20"/>
+          <p:cNvPr id="26" name="円/楕円 25"/>
           <p:cNvSpPr/>
           <p:nvPr/>
         </p:nvSpPr>
@@ -3938,6 +4280,12 @@
           <a:prstGeom prst="ellipse">
             <a:avLst/>
           </a:prstGeom>
+          <a:solidFill>
+            <a:srgbClr val="FF0066"/>
+          </a:solidFill>
+          <a:ln>
+            <a:noFill/>
+          </a:ln>
         </p:spPr>
         <p:style>
           <a:lnRef idx="2">
@@ -3956,24 +4304,24 @@
           </a:fontRef>
         </p:style>
         <p:txBody>
-          <a:bodyPr rtlCol="0" anchor="ctr"/>
+          <a:bodyPr lIns="91429" tIns="45715" rIns="91429" bIns="45715" rtlCol="0" anchor="ctr"/>
           <a:lstStyle/>
           <a:p>
             <a:pPr algn="ctr"/>
             <a:r>
-              <a:rPr kumimoji="1" lang="en-US" altLang="ja-JP" dirty="0" smtClean="0"/>
+              <a:rPr lang="en-US" altLang="ja-JP" dirty="0"/>
               <a:t>A</a:t>
             </a:r>
-            <a:endParaRPr kumimoji="1" lang="ja-JP" altLang="en-US" dirty="0"/>
+            <a:endParaRPr lang="ja-JP" altLang="en-US" dirty="0"/>
           </a:p>
         </p:txBody>
       </p:sp>
       <p:cxnSp>
         <p:nvCxnSpPr>
-          <p:cNvPr id="22" name="直線矢印コネクタ 21"/>
+          <p:cNvPr id="27" name="直線矢印コネクタ 26"/>
           <p:cNvCxnSpPr>
-            <a:stCxn id="23" idx="2"/>
-            <a:endCxn id="21" idx="6"/>
+            <a:stCxn id="30" idx="2"/>
+            <a:endCxn id="26" idx="6"/>
           </p:cNvCxnSpPr>
           <p:nvPr/>
         </p:nvCxnSpPr>
@@ -3985,11 +4333,11 @@
           <a:prstGeom prst="straightConnector1">
             <a:avLst/>
           </a:prstGeom>
-          <a:ln w="19050">
+          <a:ln w="31750">
             <a:solidFill>
               <a:schemeClr val="tx1"/>
             </a:solidFill>
-            <a:prstDash val="sysDash"/>
+            <a:prstDash val="sysDot"/>
             <a:tailEnd type="triangle" w="lg" len="med"/>
           </a:ln>
         </p:spPr>
@@ -4010,7 +4358,7 @@
       </p:cxnSp>
       <p:sp>
         <p:nvSpPr>
-          <p:cNvPr id="23" name="円/楕円 22"/>
+          <p:cNvPr id="30" name="円/楕円 29"/>
           <p:cNvSpPr/>
           <p:nvPr/>
         </p:nvSpPr>
@@ -4022,6 +4370,12 @@
           <a:prstGeom prst="ellipse">
             <a:avLst/>
           </a:prstGeom>
+          <a:solidFill>
+            <a:srgbClr val="FF0066"/>
+          </a:solidFill>
+          <a:ln>
+            <a:noFill/>
+          </a:ln>
         </p:spPr>
         <p:style>
           <a:lnRef idx="2">
@@ -4040,21 +4394,21 @@
           </a:fontRef>
         </p:style>
         <p:txBody>
-          <a:bodyPr rtlCol="0" anchor="ctr"/>
+          <a:bodyPr lIns="91429" tIns="45715" rIns="91429" bIns="45715" rtlCol="0" anchor="ctr"/>
           <a:lstStyle/>
           <a:p>
             <a:pPr algn="ctr"/>
             <a:r>
-              <a:rPr kumimoji="1" lang="en-US" altLang="ja-JP" dirty="0" smtClean="0"/>
+              <a:rPr lang="en-US" altLang="ja-JP" dirty="0"/>
               <a:t>B</a:t>
             </a:r>
-            <a:endParaRPr kumimoji="1" lang="ja-JP" altLang="en-US" dirty="0"/>
-          </a:p>
-        </p:txBody>
-      </p:sp>
-      <p:sp>
-        <p:nvSpPr>
-          <p:cNvPr id="24" name="円/楕円 23"/>
+            <a:endParaRPr lang="ja-JP" altLang="en-US" dirty="0"/>
+          </a:p>
+        </p:txBody>
+      </p:sp>
+      <p:sp>
+        <p:nvSpPr>
+          <p:cNvPr id="31" name="円/楕円 30"/>
           <p:cNvSpPr/>
           <p:nvPr/>
         </p:nvSpPr>
@@ -4066,6 +4420,12 @@
           <a:prstGeom prst="ellipse">
             <a:avLst/>
           </a:prstGeom>
+          <a:solidFill>
+            <a:srgbClr val="FF0066"/>
+          </a:solidFill>
+          <a:ln>
+            <a:noFill/>
+          </a:ln>
         </p:spPr>
         <p:style>
           <a:lnRef idx="2">
@@ -4084,24 +4444,24 @@
           </a:fontRef>
         </p:style>
         <p:txBody>
-          <a:bodyPr rtlCol="0" anchor="ctr"/>
+          <a:bodyPr lIns="91429" tIns="45715" rIns="91429" bIns="45715" rtlCol="0" anchor="ctr"/>
           <a:lstStyle/>
           <a:p>
             <a:pPr algn="ctr"/>
             <a:r>
-              <a:rPr kumimoji="1" lang="en-US" altLang="ja-JP" dirty="0" smtClean="0"/>
+              <a:rPr lang="en-US" altLang="ja-JP" dirty="0"/>
               <a:t>C</a:t>
             </a:r>
-            <a:endParaRPr kumimoji="1" lang="ja-JP" altLang="en-US" dirty="0"/>
+            <a:endParaRPr lang="ja-JP" altLang="en-US" dirty="0"/>
           </a:p>
         </p:txBody>
       </p:sp>
       <p:cxnSp>
         <p:nvCxnSpPr>
-          <p:cNvPr id="25" name="直線矢印コネクタ 24"/>
+          <p:cNvPr id="32" name="直線矢印コネクタ 31"/>
           <p:cNvCxnSpPr>
-            <a:stCxn id="24" idx="2"/>
-            <a:endCxn id="23" idx="6"/>
+            <a:stCxn id="31" idx="2"/>
+            <a:endCxn id="30" idx="6"/>
           </p:cNvCxnSpPr>
           <p:nvPr/>
         </p:nvCxnSpPr>
@@ -4113,11 +4473,11 @@
           <a:prstGeom prst="straightConnector1">
             <a:avLst/>
           </a:prstGeom>
-          <a:ln w="19050">
+          <a:ln w="31750">
             <a:solidFill>
               <a:schemeClr val="tx1"/>
             </a:solidFill>
-            <a:prstDash val="sysDash"/>
+            <a:prstDash val="sysDot"/>
             <a:tailEnd type="triangle" w="lg" len="med"/>
           </a:ln>
         </p:spPr>
@@ -4138,7 +4498,7 @@
       </p:cxnSp>
       <p:sp>
         <p:nvSpPr>
-          <p:cNvPr id="28" name="円/楕円 27"/>
+          <p:cNvPr id="33" name="円/楕円 32"/>
           <p:cNvSpPr/>
           <p:nvPr/>
         </p:nvSpPr>
@@ -4150,6 +4510,12 @@
           <a:prstGeom prst="ellipse">
             <a:avLst/>
           </a:prstGeom>
+          <a:solidFill>
+            <a:srgbClr val="FF0066"/>
+          </a:solidFill>
+          <a:ln>
+            <a:noFill/>
+          </a:ln>
         </p:spPr>
         <p:style>
           <a:lnRef idx="2">
@@ -4168,24 +4534,24 @@
           </a:fontRef>
         </p:style>
         <p:txBody>
-          <a:bodyPr rtlCol="0" anchor="ctr"/>
+          <a:bodyPr lIns="91429" tIns="45715" rIns="91429" bIns="45715" rtlCol="0" anchor="ctr"/>
           <a:lstStyle/>
           <a:p>
             <a:pPr algn="ctr"/>
             <a:r>
-              <a:rPr kumimoji="1" lang="en-US" altLang="ja-JP" dirty="0" smtClean="0"/>
+              <a:rPr lang="en-US" altLang="ja-JP" dirty="0"/>
               <a:t>D</a:t>
             </a:r>
-            <a:endParaRPr kumimoji="1" lang="ja-JP" altLang="en-US" dirty="0"/>
+            <a:endParaRPr lang="ja-JP" altLang="en-US" dirty="0"/>
           </a:p>
         </p:txBody>
       </p:sp>
       <p:cxnSp>
         <p:nvCxnSpPr>
-          <p:cNvPr id="29" name="直線矢印コネクタ 28"/>
+          <p:cNvPr id="34" name="直線矢印コネクタ 33"/>
           <p:cNvCxnSpPr>
-            <a:stCxn id="28" idx="2"/>
-            <a:endCxn id="24" idx="6"/>
+            <a:stCxn id="33" idx="2"/>
+            <a:endCxn id="31" idx="6"/>
           </p:cNvCxnSpPr>
           <p:nvPr/>
         </p:nvCxnSpPr>
@@ -4197,11 +4563,11 @@
           <a:prstGeom prst="straightConnector1">
             <a:avLst/>
           </a:prstGeom>
-          <a:ln w="19050">
+          <a:ln w="31750">
             <a:solidFill>
               <a:schemeClr val="tx1"/>
             </a:solidFill>
-            <a:prstDash val="sysDash"/>
+            <a:prstDash val="sysDot"/>
             <a:tailEnd type="triangle" w="lg" len="med"/>
           </a:ln>
         </p:spPr>
@@ -4220,55 +4586,9 @@
           </a:fontRef>
         </p:style>
       </p:cxnSp>
-      <p:sp>
-        <p:nvSpPr>
-          <p:cNvPr id="37" name="テキスト ボックス 36"/>
-          <p:cNvSpPr txBox="1"/>
-          <p:nvPr/>
-        </p:nvSpPr>
-        <p:spPr>
-          <a:xfrm>
-            <a:off x="267552" y="478413"/>
-            <a:ext cx="8624928" cy="369332"/>
-          </a:xfrm>
-          <a:prstGeom prst="rect">
-            <a:avLst/>
-          </a:prstGeom>
-          <a:noFill/>
-        </p:spPr>
-        <p:txBody>
-          <a:bodyPr wrap="square" rtlCol="0">
-            <a:spAutoFit/>
-          </a:bodyPr>
-          <a:lstStyle/>
-          <a:p>
-            <a:r>
-              <a:rPr lang="ja-JP" altLang="en-US" dirty="0" smtClean="0"/>
-              <a:t>「</a:t>
-            </a:r>
-            <a:r>
-              <a:rPr lang="en-US" altLang="ja-JP" dirty="0" err="1" smtClean="0"/>
-              <a:t>git</a:t>
-            </a:r>
-            <a:r>
-              <a:rPr lang="en-US" altLang="ja-JP" dirty="0" smtClean="0"/>
-              <a:t> reset HEAD^</a:t>
-            </a:r>
-            <a:r>
-              <a:rPr lang="ja-JP" altLang="en-US" dirty="0" smtClean="0"/>
-              <a:t>」を実行した</a:t>
-            </a:r>
-            <a:r>
-              <a:rPr lang="ja-JP" altLang="en-US" dirty="0" smtClean="0"/>
-              <a:t>。</a:t>
-            </a:r>
-            <a:endParaRPr lang="en-US" altLang="ja-JP" dirty="0" smtClean="0"/>
-          </a:p>
-        </p:txBody>
-      </p:sp>
       <p:cxnSp>
         <p:nvCxnSpPr>
-          <p:cNvPr id="18" name="直線矢印コネクタ 17"/>
+          <p:cNvPr id="35" name="直線矢印コネクタ 34"/>
           <p:cNvCxnSpPr/>
           <p:nvPr/>
         </p:nvCxnSpPr>
@@ -4280,11 +4600,11 @@
           <a:prstGeom prst="straightConnector1">
             <a:avLst/>
           </a:prstGeom>
-          <a:ln w="19050">
+          <a:ln w="31750">
             <a:solidFill>
               <a:schemeClr val="tx1"/>
             </a:solidFill>
-            <a:prstDash val="sysDash"/>
+            <a:prstDash val="sysDot"/>
             <a:tailEnd type="triangle" w="lg" len="med"/>
           </a:ln>
         </p:spPr>
@@ -4305,7 +4625,7 @@
       </p:cxnSp>
       <p:sp>
         <p:nvSpPr>
-          <p:cNvPr id="19" name="正方形/長方形 18"/>
+          <p:cNvPr id="36" name="正方形/長方形 35"/>
           <p:cNvSpPr/>
           <p:nvPr/>
         </p:nvSpPr>
@@ -4318,6 +4638,7 @@
             <a:avLst/>
           </a:prstGeom>
           <a:ln>
+            <a:noFill/>
             <a:prstDash val="sysDash"/>
           </a:ln>
         </p:spPr>
@@ -4338,21 +4659,21 @@
           </a:fontRef>
         </p:style>
         <p:txBody>
-          <a:bodyPr rtlCol="0" anchor="ctr"/>
+          <a:bodyPr lIns="91429" tIns="45715" rIns="91429" bIns="45715" rtlCol="0" anchor="ctr"/>
           <a:lstStyle/>
           <a:p>
             <a:pPr algn="ctr"/>
             <a:r>
-              <a:rPr kumimoji="1" lang="en-US" altLang="ja-JP" dirty="0" smtClean="0"/>
+              <a:rPr lang="en-US" altLang="ja-JP" dirty="0"/>
               <a:t>ORIG_HEAD</a:t>
             </a:r>
-            <a:endParaRPr kumimoji="1" lang="ja-JP" altLang="en-US" dirty="0"/>
+            <a:endParaRPr lang="ja-JP" altLang="en-US" dirty="0"/>
           </a:p>
         </p:txBody>
       </p:sp>
       <p:cxnSp>
         <p:nvCxnSpPr>
-          <p:cNvPr id="14" name="直線矢印コネクタ 13"/>
+          <p:cNvPr id="38" name="直線矢印コネクタ 37"/>
           <p:cNvCxnSpPr/>
           <p:nvPr/>
         </p:nvCxnSpPr>
@@ -4364,11 +4685,11 @@
           <a:prstGeom prst="straightConnector1">
             <a:avLst/>
           </a:prstGeom>
-          <a:ln w="19050">
+          <a:ln w="31750">
             <a:solidFill>
               <a:schemeClr val="tx1"/>
             </a:solidFill>
-            <a:prstDash val="sysDash"/>
+            <a:prstDash val="sysDot"/>
             <a:tailEnd type="triangle" w="lg" len="med"/>
           </a:ln>
         </p:spPr>
@@ -4389,7 +4710,7 @@
       </p:cxnSp>
       <p:sp>
         <p:nvSpPr>
-          <p:cNvPr id="15" name="正方形/長方形 14"/>
+          <p:cNvPr id="39" name="正方形/長方形 38"/>
           <p:cNvSpPr/>
           <p:nvPr/>
         </p:nvSpPr>
@@ -4402,6 +4723,7 @@
             <a:avLst/>
           </a:prstGeom>
           <a:ln>
+            <a:noFill/>
             <a:prstDash val="sysDash"/>
           </a:ln>
         </p:spPr>
@@ -4422,21 +4744,21 @@
           </a:fontRef>
         </p:style>
         <p:txBody>
-          <a:bodyPr rtlCol="0" anchor="ctr"/>
+          <a:bodyPr lIns="91429" tIns="45715" rIns="91429" bIns="45715" rtlCol="0" anchor="ctr"/>
           <a:lstStyle/>
           <a:p>
             <a:pPr algn="ctr"/>
             <a:r>
-              <a:rPr kumimoji="1" lang="en-US" altLang="ja-JP" dirty="0" smtClean="0"/>
+              <a:rPr lang="en-US" altLang="ja-JP" dirty="0"/>
               <a:t>master</a:t>
             </a:r>
-            <a:endParaRPr kumimoji="1" lang="ja-JP" altLang="en-US" dirty="0"/>
+            <a:endParaRPr lang="ja-JP" altLang="en-US" dirty="0"/>
           </a:p>
         </p:txBody>
       </p:sp>
       <p:cxnSp>
         <p:nvCxnSpPr>
-          <p:cNvPr id="16" name="直線矢印コネクタ 15"/>
+          <p:cNvPr id="40" name="直線矢印コネクタ 39"/>
           <p:cNvCxnSpPr/>
           <p:nvPr/>
         </p:nvCxnSpPr>
@@ -4448,11 +4770,11 @@
           <a:prstGeom prst="straightConnector1">
             <a:avLst/>
           </a:prstGeom>
-          <a:ln w="19050">
+          <a:ln w="31750">
             <a:solidFill>
               <a:schemeClr val="tx1"/>
             </a:solidFill>
-            <a:prstDash val="sysDash"/>
+            <a:prstDash val="sysDot"/>
             <a:tailEnd type="triangle" w="lg" len="med"/>
           </a:ln>
         </p:spPr>
@@ -4473,7 +4795,7 @@
       </p:cxnSp>
       <p:sp>
         <p:nvSpPr>
-          <p:cNvPr id="17" name="正方形/長方形 16"/>
+          <p:cNvPr id="41" name="正方形/長方形 40"/>
           <p:cNvSpPr/>
           <p:nvPr/>
         </p:nvSpPr>
@@ -4486,6 +4808,7 @@
             <a:avLst/>
           </a:prstGeom>
           <a:ln>
+            <a:noFill/>
             <a:prstDash val="sysDash"/>
           </a:ln>
         </p:spPr>
@@ -4506,15 +4829,432 @@
           </a:fontRef>
         </p:style>
         <p:txBody>
-          <a:bodyPr rtlCol="0" anchor="ctr"/>
+          <a:bodyPr lIns="91429" tIns="45715" rIns="91429" bIns="45715" rtlCol="0" anchor="ctr"/>
           <a:lstStyle/>
           <a:p>
             <a:pPr algn="ctr"/>
             <a:r>
-              <a:rPr kumimoji="1" lang="en-US" altLang="ja-JP" dirty="0" smtClean="0"/>
+              <a:rPr lang="en-US" altLang="ja-JP" dirty="0"/>
               <a:t>HEAD</a:t>
             </a:r>
-            <a:endParaRPr kumimoji="1" lang="ja-JP" altLang="en-US" dirty="0"/>
+            <a:endParaRPr lang="ja-JP" altLang="en-US" dirty="0"/>
+          </a:p>
+        </p:txBody>
+      </p:sp>
+      <p:sp>
+        <p:nvSpPr>
+          <p:cNvPr id="42" name="角丸四角形吹き出し 70"/>
+          <p:cNvSpPr/>
+          <p:nvPr/>
+        </p:nvSpPr>
+        <p:spPr>
+          <a:xfrm>
+            <a:off x="203401" y="123901"/>
+            <a:ext cx="8737200" cy="1433282"/>
+          </a:xfrm>
+          <a:custGeom>
+            <a:avLst/>
+            <a:gdLst>
+              <a:gd name="connsiteX0" fmla="*/ 0 w 8541658"/>
+              <a:gd name="connsiteY0" fmla="*/ 214817 h 1288876"/>
+              <a:gd name="connsiteX1" fmla="*/ 214817 w 8541658"/>
+              <a:gd name="connsiteY1" fmla="*/ 0 h 1288876"/>
+              <a:gd name="connsiteX2" fmla="*/ 1423610 w 8541658"/>
+              <a:gd name="connsiteY2" fmla="*/ 0 h 1288876"/>
+              <a:gd name="connsiteX3" fmla="*/ 1423610 w 8541658"/>
+              <a:gd name="connsiteY3" fmla="*/ 0 h 1288876"/>
+              <a:gd name="connsiteX4" fmla="*/ 3559024 w 8541658"/>
+              <a:gd name="connsiteY4" fmla="*/ 0 h 1288876"/>
+              <a:gd name="connsiteX5" fmla="*/ 8326841 w 8541658"/>
+              <a:gd name="connsiteY5" fmla="*/ 0 h 1288876"/>
+              <a:gd name="connsiteX6" fmla="*/ 8541658 w 8541658"/>
+              <a:gd name="connsiteY6" fmla="*/ 214817 h 1288876"/>
+              <a:gd name="connsiteX7" fmla="*/ 8541658 w 8541658"/>
+              <a:gd name="connsiteY7" fmla="*/ 751844 h 1288876"/>
+              <a:gd name="connsiteX8" fmla="*/ 8541658 w 8541658"/>
+              <a:gd name="connsiteY8" fmla="*/ 751844 h 1288876"/>
+              <a:gd name="connsiteX9" fmla="*/ 8541658 w 8541658"/>
+              <a:gd name="connsiteY9" fmla="*/ 1074063 h 1288876"/>
+              <a:gd name="connsiteX10" fmla="*/ 8541658 w 8541658"/>
+              <a:gd name="connsiteY10" fmla="*/ 1074059 h 1288876"/>
+              <a:gd name="connsiteX11" fmla="*/ 8326841 w 8541658"/>
+              <a:gd name="connsiteY11" fmla="*/ 1288876 h 1288876"/>
+              <a:gd name="connsiteX12" fmla="*/ 3559024 w 8541658"/>
+              <a:gd name="connsiteY12" fmla="*/ 1288876 h 1288876"/>
+              <a:gd name="connsiteX13" fmla="*/ 2230227 w 8541658"/>
+              <a:gd name="connsiteY13" fmla="*/ 1471381 h 1288876"/>
+              <a:gd name="connsiteX14" fmla="*/ 1423610 w 8541658"/>
+              <a:gd name="connsiteY14" fmla="*/ 1288876 h 1288876"/>
+              <a:gd name="connsiteX15" fmla="*/ 214817 w 8541658"/>
+              <a:gd name="connsiteY15" fmla="*/ 1288876 h 1288876"/>
+              <a:gd name="connsiteX16" fmla="*/ 0 w 8541658"/>
+              <a:gd name="connsiteY16" fmla="*/ 1074059 h 1288876"/>
+              <a:gd name="connsiteX17" fmla="*/ 0 w 8541658"/>
+              <a:gd name="connsiteY17" fmla="*/ 1074063 h 1288876"/>
+              <a:gd name="connsiteX18" fmla="*/ 0 w 8541658"/>
+              <a:gd name="connsiteY18" fmla="*/ 751844 h 1288876"/>
+              <a:gd name="connsiteX19" fmla="*/ 0 w 8541658"/>
+              <a:gd name="connsiteY19" fmla="*/ 751844 h 1288876"/>
+              <a:gd name="connsiteX20" fmla="*/ 0 w 8541658"/>
+              <a:gd name="connsiteY20" fmla="*/ 214817 h 1288876"/>
+              <a:gd name="connsiteX0" fmla="*/ 0 w 8541658"/>
+              <a:gd name="connsiteY0" fmla="*/ 214817 h 1471381"/>
+              <a:gd name="connsiteX1" fmla="*/ 214817 w 8541658"/>
+              <a:gd name="connsiteY1" fmla="*/ 0 h 1471381"/>
+              <a:gd name="connsiteX2" fmla="*/ 1423610 w 8541658"/>
+              <a:gd name="connsiteY2" fmla="*/ 0 h 1471381"/>
+              <a:gd name="connsiteX3" fmla="*/ 1423610 w 8541658"/>
+              <a:gd name="connsiteY3" fmla="*/ 0 h 1471381"/>
+              <a:gd name="connsiteX4" fmla="*/ 3559024 w 8541658"/>
+              <a:gd name="connsiteY4" fmla="*/ 0 h 1471381"/>
+              <a:gd name="connsiteX5" fmla="*/ 8326841 w 8541658"/>
+              <a:gd name="connsiteY5" fmla="*/ 0 h 1471381"/>
+              <a:gd name="connsiteX6" fmla="*/ 8541658 w 8541658"/>
+              <a:gd name="connsiteY6" fmla="*/ 214817 h 1471381"/>
+              <a:gd name="connsiteX7" fmla="*/ 8541658 w 8541658"/>
+              <a:gd name="connsiteY7" fmla="*/ 751844 h 1471381"/>
+              <a:gd name="connsiteX8" fmla="*/ 8541658 w 8541658"/>
+              <a:gd name="connsiteY8" fmla="*/ 751844 h 1471381"/>
+              <a:gd name="connsiteX9" fmla="*/ 8541658 w 8541658"/>
+              <a:gd name="connsiteY9" fmla="*/ 1074063 h 1471381"/>
+              <a:gd name="connsiteX10" fmla="*/ 8541658 w 8541658"/>
+              <a:gd name="connsiteY10" fmla="*/ 1074059 h 1471381"/>
+              <a:gd name="connsiteX11" fmla="*/ 8326841 w 8541658"/>
+              <a:gd name="connsiteY11" fmla="*/ 1288876 h 1471381"/>
+              <a:gd name="connsiteX12" fmla="*/ 1852144 w 8541658"/>
+              <a:gd name="connsiteY12" fmla="*/ 1288876 h 1471381"/>
+              <a:gd name="connsiteX13" fmla="*/ 2230227 w 8541658"/>
+              <a:gd name="connsiteY13" fmla="*/ 1471381 h 1471381"/>
+              <a:gd name="connsiteX14" fmla="*/ 1423610 w 8541658"/>
+              <a:gd name="connsiteY14" fmla="*/ 1288876 h 1471381"/>
+              <a:gd name="connsiteX15" fmla="*/ 214817 w 8541658"/>
+              <a:gd name="connsiteY15" fmla="*/ 1288876 h 1471381"/>
+              <a:gd name="connsiteX16" fmla="*/ 0 w 8541658"/>
+              <a:gd name="connsiteY16" fmla="*/ 1074059 h 1471381"/>
+              <a:gd name="connsiteX17" fmla="*/ 0 w 8541658"/>
+              <a:gd name="connsiteY17" fmla="*/ 1074063 h 1471381"/>
+              <a:gd name="connsiteX18" fmla="*/ 0 w 8541658"/>
+              <a:gd name="connsiteY18" fmla="*/ 751844 h 1471381"/>
+              <a:gd name="connsiteX19" fmla="*/ 0 w 8541658"/>
+              <a:gd name="connsiteY19" fmla="*/ 751844 h 1471381"/>
+              <a:gd name="connsiteX20" fmla="*/ 0 w 8541658"/>
+              <a:gd name="connsiteY20" fmla="*/ 214817 h 1471381"/>
+              <a:gd name="connsiteX0" fmla="*/ 0 w 8541658"/>
+              <a:gd name="connsiteY0" fmla="*/ 214817 h 1433281"/>
+              <a:gd name="connsiteX1" fmla="*/ 214817 w 8541658"/>
+              <a:gd name="connsiteY1" fmla="*/ 0 h 1433281"/>
+              <a:gd name="connsiteX2" fmla="*/ 1423610 w 8541658"/>
+              <a:gd name="connsiteY2" fmla="*/ 0 h 1433281"/>
+              <a:gd name="connsiteX3" fmla="*/ 1423610 w 8541658"/>
+              <a:gd name="connsiteY3" fmla="*/ 0 h 1433281"/>
+              <a:gd name="connsiteX4" fmla="*/ 3559024 w 8541658"/>
+              <a:gd name="connsiteY4" fmla="*/ 0 h 1433281"/>
+              <a:gd name="connsiteX5" fmla="*/ 8326841 w 8541658"/>
+              <a:gd name="connsiteY5" fmla="*/ 0 h 1433281"/>
+              <a:gd name="connsiteX6" fmla="*/ 8541658 w 8541658"/>
+              <a:gd name="connsiteY6" fmla="*/ 214817 h 1433281"/>
+              <a:gd name="connsiteX7" fmla="*/ 8541658 w 8541658"/>
+              <a:gd name="connsiteY7" fmla="*/ 751844 h 1433281"/>
+              <a:gd name="connsiteX8" fmla="*/ 8541658 w 8541658"/>
+              <a:gd name="connsiteY8" fmla="*/ 751844 h 1433281"/>
+              <a:gd name="connsiteX9" fmla="*/ 8541658 w 8541658"/>
+              <a:gd name="connsiteY9" fmla="*/ 1074063 h 1433281"/>
+              <a:gd name="connsiteX10" fmla="*/ 8541658 w 8541658"/>
+              <a:gd name="connsiteY10" fmla="*/ 1074059 h 1433281"/>
+              <a:gd name="connsiteX11" fmla="*/ 8326841 w 8541658"/>
+              <a:gd name="connsiteY11" fmla="*/ 1288876 h 1433281"/>
+              <a:gd name="connsiteX12" fmla="*/ 1852144 w 8541658"/>
+              <a:gd name="connsiteY12" fmla="*/ 1288876 h 1433281"/>
+              <a:gd name="connsiteX13" fmla="*/ 1864467 w 8541658"/>
+              <a:gd name="connsiteY13" fmla="*/ 1433281 h 1433281"/>
+              <a:gd name="connsiteX14" fmla="*/ 1423610 w 8541658"/>
+              <a:gd name="connsiteY14" fmla="*/ 1288876 h 1433281"/>
+              <a:gd name="connsiteX15" fmla="*/ 214817 w 8541658"/>
+              <a:gd name="connsiteY15" fmla="*/ 1288876 h 1433281"/>
+              <a:gd name="connsiteX16" fmla="*/ 0 w 8541658"/>
+              <a:gd name="connsiteY16" fmla="*/ 1074059 h 1433281"/>
+              <a:gd name="connsiteX17" fmla="*/ 0 w 8541658"/>
+              <a:gd name="connsiteY17" fmla="*/ 1074063 h 1433281"/>
+              <a:gd name="connsiteX18" fmla="*/ 0 w 8541658"/>
+              <a:gd name="connsiteY18" fmla="*/ 751844 h 1433281"/>
+              <a:gd name="connsiteX19" fmla="*/ 0 w 8541658"/>
+              <a:gd name="connsiteY19" fmla="*/ 751844 h 1433281"/>
+              <a:gd name="connsiteX20" fmla="*/ 0 w 8541658"/>
+              <a:gd name="connsiteY20" fmla="*/ 214817 h 1433281"/>
+            </a:gdLst>
+            <a:ahLst/>
+            <a:cxnLst>
+              <a:cxn ang="0">
+                <a:pos x="connsiteX0" y="connsiteY0"/>
+              </a:cxn>
+              <a:cxn ang="0">
+                <a:pos x="connsiteX1" y="connsiteY1"/>
+              </a:cxn>
+              <a:cxn ang="0">
+                <a:pos x="connsiteX2" y="connsiteY2"/>
+              </a:cxn>
+              <a:cxn ang="0">
+                <a:pos x="connsiteX3" y="connsiteY3"/>
+              </a:cxn>
+              <a:cxn ang="0">
+                <a:pos x="connsiteX4" y="connsiteY4"/>
+              </a:cxn>
+              <a:cxn ang="0">
+                <a:pos x="connsiteX5" y="connsiteY5"/>
+              </a:cxn>
+              <a:cxn ang="0">
+                <a:pos x="connsiteX6" y="connsiteY6"/>
+              </a:cxn>
+              <a:cxn ang="0">
+                <a:pos x="connsiteX7" y="connsiteY7"/>
+              </a:cxn>
+              <a:cxn ang="0">
+                <a:pos x="connsiteX8" y="connsiteY8"/>
+              </a:cxn>
+              <a:cxn ang="0">
+                <a:pos x="connsiteX9" y="connsiteY9"/>
+              </a:cxn>
+              <a:cxn ang="0">
+                <a:pos x="connsiteX10" y="connsiteY10"/>
+              </a:cxn>
+              <a:cxn ang="0">
+                <a:pos x="connsiteX11" y="connsiteY11"/>
+              </a:cxn>
+              <a:cxn ang="0">
+                <a:pos x="connsiteX12" y="connsiteY12"/>
+              </a:cxn>
+              <a:cxn ang="0">
+                <a:pos x="connsiteX13" y="connsiteY13"/>
+              </a:cxn>
+              <a:cxn ang="0">
+                <a:pos x="connsiteX14" y="connsiteY14"/>
+              </a:cxn>
+              <a:cxn ang="0">
+                <a:pos x="connsiteX15" y="connsiteY15"/>
+              </a:cxn>
+              <a:cxn ang="0">
+                <a:pos x="connsiteX16" y="connsiteY16"/>
+              </a:cxn>
+              <a:cxn ang="0">
+                <a:pos x="connsiteX17" y="connsiteY17"/>
+              </a:cxn>
+              <a:cxn ang="0">
+                <a:pos x="connsiteX18" y="connsiteY18"/>
+              </a:cxn>
+              <a:cxn ang="0">
+                <a:pos x="connsiteX19" y="connsiteY19"/>
+              </a:cxn>
+              <a:cxn ang="0">
+                <a:pos x="connsiteX20" y="connsiteY20"/>
+              </a:cxn>
+            </a:cxnLst>
+            <a:rect l="l" t="t" r="r" b="b"/>
+            <a:pathLst>
+              <a:path w="8541658" h="1433281">
+                <a:moveTo>
+                  <a:pt x="0" y="214817"/>
+                </a:moveTo>
+                <a:cubicBezTo>
+                  <a:pt x="0" y="96177"/>
+                  <a:pt x="96177" y="0"/>
+                  <a:pt x="214817" y="0"/>
+                </a:cubicBezTo>
+                <a:lnTo>
+                  <a:pt x="1423610" y="0"/>
+                </a:lnTo>
+                <a:lnTo>
+                  <a:pt x="1423610" y="0"/>
+                </a:lnTo>
+                <a:lnTo>
+                  <a:pt x="3559024" y="0"/>
+                </a:lnTo>
+                <a:lnTo>
+                  <a:pt x="8326841" y="0"/>
+                </a:lnTo>
+                <a:cubicBezTo>
+                  <a:pt x="8445481" y="0"/>
+                  <a:pt x="8541658" y="96177"/>
+                  <a:pt x="8541658" y="214817"/>
+                </a:cubicBezTo>
+                <a:lnTo>
+                  <a:pt x="8541658" y="751844"/>
+                </a:lnTo>
+                <a:lnTo>
+                  <a:pt x="8541658" y="751844"/>
+                </a:lnTo>
+                <a:lnTo>
+                  <a:pt x="8541658" y="1074063"/>
+                </a:lnTo>
+                <a:lnTo>
+                  <a:pt x="8541658" y="1074059"/>
+                </a:lnTo>
+                <a:cubicBezTo>
+                  <a:pt x="8541658" y="1192699"/>
+                  <a:pt x="8445481" y="1288876"/>
+                  <a:pt x="8326841" y="1288876"/>
+                </a:cubicBezTo>
+                <a:lnTo>
+                  <a:pt x="1852144" y="1288876"/>
+                </a:lnTo>
+                <a:lnTo>
+                  <a:pt x="1864467" y="1433281"/>
+                </a:lnTo>
+                <a:lnTo>
+                  <a:pt x="1423610" y="1288876"/>
+                </a:lnTo>
+                <a:lnTo>
+                  <a:pt x="214817" y="1288876"/>
+                </a:lnTo>
+                <a:cubicBezTo>
+                  <a:pt x="96177" y="1288876"/>
+                  <a:pt x="0" y="1192699"/>
+                  <a:pt x="0" y="1074059"/>
+                </a:cubicBezTo>
+                <a:lnTo>
+                  <a:pt x="0" y="1074063"/>
+                </a:lnTo>
+                <a:lnTo>
+                  <a:pt x="0" y="751844"/>
+                </a:lnTo>
+                <a:lnTo>
+                  <a:pt x="0" y="751844"/>
+                </a:lnTo>
+                <a:lnTo>
+                  <a:pt x="0" y="214817"/>
+                </a:lnTo>
+                <a:close/>
+              </a:path>
+            </a:pathLst>
+          </a:custGeom>
+          <a:solidFill>
+            <a:srgbClr val="03C924"/>
+          </a:solidFill>
+          <a:ln>
+            <a:noFill/>
+          </a:ln>
+        </p:spPr>
+        <p:style>
+          <a:lnRef idx="2">
+            <a:schemeClr val="accent1">
+              <a:shade val="50000"/>
+            </a:schemeClr>
+          </a:lnRef>
+          <a:fillRef idx="1">
+            <a:schemeClr val="accent1"/>
+          </a:fillRef>
+          <a:effectRef idx="0">
+            <a:schemeClr val="accent1"/>
+          </a:effectRef>
+          <a:fontRef idx="minor">
+            <a:schemeClr val="lt1"/>
+          </a:fontRef>
+        </p:style>
+        <p:txBody>
+          <a:bodyPr lIns="143983" tIns="143983" rIns="143983" bIns="0" rtlCol="0" anchor="ctr"/>
+          <a:lstStyle/>
+          <a:p>
+            <a:r>
+              <a:rPr lang="ja-JP" altLang="en-US" b="1" dirty="0">
+                <a:ea typeface="ＭＳ ゴシック" panose="020B0609070205080204" pitchFamily="49" charset="-128"/>
+              </a:rPr>
+              <a:t>「</a:t>
+            </a:r>
+            <a:r>
+              <a:rPr lang="en-US" altLang="ja-JP" b="1" dirty="0" err="1">
+                <a:ea typeface="ＭＳ ゴシック" panose="020B0609070205080204" pitchFamily="49" charset="-128"/>
+              </a:rPr>
+              <a:t>git</a:t>
+            </a:r>
+            <a:r>
+              <a:rPr lang="en-US" altLang="ja-JP" b="1" dirty="0">
+                <a:ea typeface="ＭＳ ゴシック" panose="020B0609070205080204" pitchFamily="49" charset="-128"/>
+              </a:rPr>
+              <a:t> reset HEAD^</a:t>
+            </a:r>
+            <a:r>
+              <a:rPr lang="ja-JP" altLang="en-US" b="1" dirty="0">
+                <a:ea typeface="ＭＳ ゴシック" panose="020B0609070205080204" pitchFamily="49" charset="-128"/>
+              </a:rPr>
+              <a:t>」を</a:t>
+            </a:r>
+            <a:r>
+              <a:rPr lang="ja-JP" altLang="en-US" b="1" dirty="0" smtClean="0">
+                <a:ea typeface="ＭＳ ゴシック" panose="020B0609070205080204" pitchFamily="49" charset="-128"/>
+              </a:rPr>
+              <a:t>実行。</a:t>
+            </a:r>
+            <a:endParaRPr lang="en-US" altLang="ja-JP" b="1" dirty="0" smtClean="0">
+              <a:ea typeface="ＭＳ ゴシック" panose="020B0609070205080204" pitchFamily="49" charset="-128"/>
+            </a:endParaRPr>
+          </a:p>
+          <a:p>
+            <a:r>
+              <a:rPr lang="en-US" altLang="ja-JP" b="1" dirty="0" smtClean="0">
+                <a:ea typeface="ＭＳ ゴシック" panose="020B0609070205080204" pitchFamily="49" charset="-128"/>
+              </a:rPr>
+              <a:t>HEAD</a:t>
+            </a:r>
+            <a:r>
+              <a:rPr lang="ja-JP" altLang="en-US" b="1" dirty="0" smtClean="0">
+                <a:ea typeface="ＭＳ ゴシック" panose="020B0609070205080204" pitchFamily="49" charset="-128"/>
+              </a:rPr>
+              <a:t> がひとつ前のコミット </a:t>
+            </a:r>
+            <a:r>
+              <a:rPr lang="en-US" altLang="ja-JP" b="1" dirty="0" smtClean="0">
+                <a:ea typeface="ＭＳ ゴシック" panose="020B0609070205080204" pitchFamily="49" charset="-128"/>
+              </a:rPr>
+              <a:t>C </a:t>
+            </a:r>
+            <a:r>
+              <a:rPr lang="ja-JP" altLang="en-US" b="1" dirty="0" smtClean="0">
+                <a:ea typeface="ＭＳ ゴシック" panose="020B0609070205080204" pitchFamily="49" charset="-128"/>
+              </a:rPr>
+              <a:t>に付け替えられ、</a:t>
+            </a:r>
+            <a:endParaRPr lang="en-US" altLang="ja-JP" b="1" dirty="0" smtClean="0">
+              <a:ea typeface="ＭＳ ゴシック" panose="020B0609070205080204" pitchFamily="49" charset="-128"/>
+            </a:endParaRPr>
+          </a:p>
+          <a:p>
+            <a:r>
+              <a:rPr lang="ja-JP" altLang="en-US" b="1" dirty="0" smtClean="0">
+                <a:ea typeface="ＭＳ ゴシック" panose="020B0609070205080204" pitchFamily="49" charset="-128"/>
+              </a:rPr>
+              <a:t>もともと指していたコミット </a:t>
+            </a:r>
+            <a:r>
+              <a:rPr lang="en-US" altLang="ja-JP" b="1" dirty="0" smtClean="0">
+                <a:ea typeface="ＭＳ ゴシック" panose="020B0609070205080204" pitchFamily="49" charset="-128"/>
+              </a:rPr>
+              <a:t>D</a:t>
+            </a:r>
+            <a:r>
+              <a:rPr lang="ja-JP" altLang="en-US" b="1" dirty="0" smtClean="0">
+                <a:ea typeface="ＭＳ ゴシック" panose="020B0609070205080204" pitchFamily="49" charset="-128"/>
+              </a:rPr>
+              <a:t> を指す </a:t>
+            </a:r>
+            <a:r>
+              <a:rPr lang="en-US" altLang="ja-JP" b="1" dirty="0" smtClean="0">
+                <a:ea typeface="ＭＳ ゴシック" panose="020B0609070205080204" pitchFamily="49" charset="-128"/>
+              </a:rPr>
+              <a:t>ORIG_HEAD </a:t>
+            </a:r>
+            <a:r>
+              <a:rPr lang="ja-JP" altLang="en-US" b="1" dirty="0" smtClean="0">
+                <a:ea typeface="ＭＳ ゴシック" panose="020B0609070205080204" pitchFamily="49" charset="-128"/>
+              </a:rPr>
+              <a:t>が作成された。</a:t>
+            </a:r>
+            <a:endParaRPr lang="en-US" altLang="ja-JP" b="1" dirty="0" smtClean="0">
+              <a:ea typeface="ＭＳ ゴシック" panose="020B0609070205080204" pitchFamily="49" charset="-128"/>
+            </a:endParaRPr>
+          </a:p>
+          <a:p>
+            <a:endParaRPr lang="ja-JP" altLang="en-US" b="1" dirty="0">
+              <a:ea typeface="ＭＳ ゴシック" panose="020B0609070205080204" pitchFamily="49" charset="-128"/>
+            </a:endParaRPr>
           </a:p>
         </p:txBody>
       </p:sp>
@@ -4550,7 +5290,7 @@
       </p:grpSpPr>
       <p:sp>
         <p:nvSpPr>
-          <p:cNvPr id="21" name="円/楕円 20"/>
+          <p:cNvPr id="50" name="円/楕円 49"/>
           <p:cNvSpPr/>
           <p:nvPr/>
         </p:nvSpPr>
@@ -4562,6 +5302,12 @@
           <a:prstGeom prst="ellipse">
             <a:avLst/>
           </a:prstGeom>
+          <a:solidFill>
+            <a:srgbClr val="FF0066"/>
+          </a:solidFill>
+          <a:ln>
+            <a:noFill/>
+          </a:ln>
         </p:spPr>
         <p:style>
           <a:lnRef idx="2">
@@ -4580,24 +5326,24 @@
           </a:fontRef>
         </p:style>
         <p:txBody>
-          <a:bodyPr rtlCol="0" anchor="ctr"/>
+          <a:bodyPr lIns="91429" tIns="45715" rIns="91429" bIns="45715" rtlCol="0" anchor="ctr"/>
           <a:lstStyle/>
           <a:p>
             <a:pPr algn="ctr"/>
             <a:r>
-              <a:rPr kumimoji="1" lang="en-US" altLang="ja-JP" dirty="0" smtClean="0"/>
+              <a:rPr lang="en-US" altLang="ja-JP" dirty="0"/>
               <a:t>A</a:t>
             </a:r>
-            <a:endParaRPr kumimoji="1" lang="ja-JP" altLang="en-US" dirty="0"/>
+            <a:endParaRPr lang="ja-JP" altLang="en-US" dirty="0"/>
           </a:p>
         </p:txBody>
       </p:sp>
       <p:cxnSp>
         <p:nvCxnSpPr>
-          <p:cNvPr id="22" name="直線矢印コネクタ 21"/>
+          <p:cNvPr id="51" name="直線矢印コネクタ 50"/>
           <p:cNvCxnSpPr>
-            <a:stCxn id="23" idx="2"/>
-            <a:endCxn id="21" idx="6"/>
+            <a:stCxn id="52" idx="2"/>
+            <a:endCxn id="50" idx="6"/>
           </p:cNvCxnSpPr>
           <p:nvPr/>
         </p:nvCxnSpPr>
@@ -4609,11 +5355,11 @@
           <a:prstGeom prst="straightConnector1">
             <a:avLst/>
           </a:prstGeom>
-          <a:ln w="19050">
+          <a:ln w="31750">
             <a:solidFill>
               <a:schemeClr val="tx1"/>
             </a:solidFill>
-            <a:prstDash val="sysDash"/>
+            <a:prstDash val="sysDot"/>
             <a:tailEnd type="triangle" w="lg" len="med"/>
           </a:ln>
         </p:spPr>
@@ -4634,7 +5380,7 @@
       </p:cxnSp>
       <p:sp>
         <p:nvSpPr>
-          <p:cNvPr id="23" name="円/楕円 22"/>
+          <p:cNvPr id="52" name="円/楕円 51"/>
           <p:cNvSpPr/>
           <p:nvPr/>
         </p:nvSpPr>
@@ -4646,6 +5392,12 @@
           <a:prstGeom prst="ellipse">
             <a:avLst/>
           </a:prstGeom>
+          <a:solidFill>
+            <a:srgbClr val="FF0066"/>
+          </a:solidFill>
+          <a:ln>
+            <a:noFill/>
+          </a:ln>
         </p:spPr>
         <p:style>
           <a:lnRef idx="2">
@@ -4664,21 +5416,21 @@
           </a:fontRef>
         </p:style>
         <p:txBody>
-          <a:bodyPr rtlCol="0" anchor="ctr"/>
+          <a:bodyPr lIns="91429" tIns="45715" rIns="91429" bIns="45715" rtlCol="0" anchor="ctr"/>
           <a:lstStyle/>
           <a:p>
             <a:pPr algn="ctr"/>
             <a:r>
-              <a:rPr kumimoji="1" lang="en-US" altLang="ja-JP" dirty="0" smtClean="0"/>
+              <a:rPr lang="en-US" altLang="ja-JP" dirty="0"/>
               <a:t>B</a:t>
             </a:r>
-            <a:endParaRPr kumimoji="1" lang="ja-JP" altLang="en-US" dirty="0"/>
-          </a:p>
-        </p:txBody>
-      </p:sp>
-      <p:sp>
-        <p:nvSpPr>
-          <p:cNvPr id="24" name="円/楕円 23"/>
+            <a:endParaRPr lang="ja-JP" altLang="en-US" dirty="0"/>
+          </a:p>
+        </p:txBody>
+      </p:sp>
+      <p:sp>
+        <p:nvSpPr>
+          <p:cNvPr id="53" name="円/楕円 52"/>
           <p:cNvSpPr/>
           <p:nvPr/>
         </p:nvSpPr>
@@ -4690,6 +5442,12 @@
           <a:prstGeom prst="ellipse">
             <a:avLst/>
           </a:prstGeom>
+          <a:solidFill>
+            <a:srgbClr val="FF0066"/>
+          </a:solidFill>
+          <a:ln>
+            <a:noFill/>
+          </a:ln>
         </p:spPr>
         <p:style>
           <a:lnRef idx="2">
@@ -4708,24 +5466,24 @@
           </a:fontRef>
         </p:style>
         <p:txBody>
-          <a:bodyPr rtlCol="0" anchor="ctr"/>
+          <a:bodyPr lIns="91429" tIns="45715" rIns="91429" bIns="45715" rtlCol="0" anchor="ctr"/>
           <a:lstStyle/>
           <a:p>
             <a:pPr algn="ctr"/>
             <a:r>
-              <a:rPr kumimoji="1" lang="en-US" altLang="ja-JP" dirty="0" smtClean="0"/>
+              <a:rPr lang="en-US" altLang="ja-JP" dirty="0"/>
               <a:t>C</a:t>
             </a:r>
-            <a:endParaRPr kumimoji="1" lang="ja-JP" altLang="en-US" dirty="0"/>
+            <a:endParaRPr lang="ja-JP" altLang="en-US" dirty="0"/>
           </a:p>
         </p:txBody>
       </p:sp>
       <p:cxnSp>
         <p:nvCxnSpPr>
-          <p:cNvPr id="25" name="直線矢印コネクタ 24"/>
+          <p:cNvPr id="54" name="直線矢印コネクタ 53"/>
           <p:cNvCxnSpPr>
-            <a:stCxn id="24" idx="2"/>
-            <a:endCxn id="23" idx="6"/>
+            <a:stCxn id="53" idx="2"/>
+            <a:endCxn id="52" idx="6"/>
           </p:cNvCxnSpPr>
           <p:nvPr/>
         </p:nvCxnSpPr>
@@ -4737,11 +5495,11 @@
           <a:prstGeom prst="straightConnector1">
             <a:avLst/>
           </a:prstGeom>
-          <a:ln w="19050">
+          <a:ln w="31750">
             <a:solidFill>
               <a:schemeClr val="tx1"/>
             </a:solidFill>
-            <a:prstDash val="sysDash"/>
+            <a:prstDash val="sysDot"/>
             <a:tailEnd type="triangle" w="lg" len="med"/>
           </a:ln>
         </p:spPr>
@@ -4762,7 +5520,7 @@
       </p:cxnSp>
       <p:sp>
         <p:nvSpPr>
-          <p:cNvPr id="28" name="円/楕円 27"/>
+          <p:cNvPr id="55" name="円/楕円 54"/>
           <p:cNvSpPr/>
           <p:nvPr/>
         </p:nvSpPr>
@@ -4774,6 +5532,12 @@
           <a:prstGeom prst="ellipse">
             <a:avLst/>
           </a:prstGeom>
+          <a:solidFill>
+            <a:srgbClr val="FF0066"/>
+          </a:solidFill>
+          <a:ln>
+            <a:noFill/>
+          </a:ln>
         </p:spPr>
         <p:style>
           <a:lnRef idx="2">
@@ -4792,24 +5556,24 @@
           </a:fontRef>
         </p:style>
         <p:txBody>
-          <a:bodyPr rtlCol="0" anchor="ctr"/>
+          <a:bodyPr lIns="91429" tIns="45715" rIns="91429" bIns="45715" rtlCol="0" anchor="ctr"/>
           <a:lstStyle/>
           <a:p>
             <a:pPr algn="ctr"/>
             <a:r>
-              <a:rPr kumimoji="1" lang="en-US" altLang="ja-JP" dirty="0" smtClean="0"/>
+              <a:rPr lang="en-US" altLang="ja-JP" dirty="0"/>
               <a:t>D</a:t>
             </a:r>
-            <a:endParaRPr kumimoji="1" lang="ja-JP" altLang="en-US" dirty="0"/>
+            <a:endParaRPr lang="ja-JP" altLang="en-US" dirty="0"/>
           </a:p>
         </p:txBody>
       </p:sp>
       <p:cxnSp>
         <p:nvCxnSpPr>
-          <p:cNvPr id="29" name="直線矢印コネクタ 28"/>
+          <p:cNvPr id="56" name="直線矢印コネクタ 55"/>
           <p:cNvCxnSpPr>
-            <a:stCxn id="28" idx="2"/>
-            <a:endCxn id="24" idx="6"/>
+            <a:stCxn id="55" idx="2"/>
+            <a:endCxn id="53" idx="6"/>
           </p:cNvCxnSpPr>
           <p:nvPr/>
         </p:nvCxnSpPr>
@@ -4821,300 +5585,11 @@
           <a:prstGeom prst="straightConnector1">
             <a:avLst/>
           </a:prstGeom>
-          <a:ln w="19050">
+          <a:ln w="31750">
             <a:solidFill>
               <a:schemeClr val="tx1"/>
             </a:solidFill>
-            <a:prstDash val="sysDash"/>
-            <a:tailEnd type="triangle" w="lg" len="med"/>
-          </a:ln>
-        </p:spPr>
-        <p:style>
-          <a:lnRef idx="1">
-            <a:schemeClr val="accent1"/>
-          </a:lnRef>
-          <a:fillRef idx="0">
-            <a:schemeClr val="accent1"/>
-          </a:fillRef>
-          <a:effectRef idx="0">
-            <a:schemeClr val="accent1"/>
-          </a:effectRef>
-          <a:fontRef idx="minor">
-            <a:schemeClr val="tx1"/>
-          </a:fontRef>
-        </p:style>
-      </p:cxnSp>
-      <p:sp>
-        <p:nvSpPr>
-          <p:cNvPr id="37" name="テキスト ボックス 36"/>
-          <p:cNvSpPr txBox="1"/>
-          <p:nvPr/>
-        </p:nvSpPr>
-        <p:spPr>
-          <a:xfrm>
-            <a:off x="267552" y="478413"/>
-            <a:ext cx="8624928" cy="369332"/>
-          </a:xfrm>
-          <a:prstGeom prst="rect">
-            <a:avLst/>
-          </a:prstGeom>
-          <a:noFill/>
-        </p:spPr>
-        <p:txBody>
-          <a:bodyPr wrap="square" rtlCol="0">
-            <a:spAutoFit/>
-          </a:bodyPr>
-          <a:lstStyle/>
-          <a:p>
-            <a:r>
-              <a:rPr lang="ja-JP" altLang="en-US" dirty="0" smtClean="0"/>
-              <a:t>コミット</a:t>
-            </a:r>
-            <a:r>
-              <a:rPr lang="en-US" altLang="ja-JP" dirty="0" smtClean="0"/>
-              <a:t>D</a:t>
-            </a:r>
-            <a:r>
-              <a:rPr lang="ja-JP" altLang="en-US" dirty="0" smtClean="0"/>
-              <a:t>による変更を修正してコミットした。</a:t>
-            </a:r>
-            <a:endParaRPr lang="en-US" altLang="ja-JP" dirty="0" smtClean="0"/>
-          </a:p>
-        </p:txBody>
-      </p:sp>
-      <p:cxnSp>
-        <p:nvCxnSpPr>
-          <p:cNvPr id="18" name="直線矢印コネクタ 17"/>
-          <p:cNvCxnSpPr/>
-          <p:nvPr/>
-        </p:nvCxnSpPr>
-        <p:spPr>
-          <a:xfrm flipH="1">
-            <a:off x="4444048" y="2852936"/>
-            <a:ext cx="271968" cy="367233"/>
-          </a:xfrm>
-          <a:prstGeom prst="straightConnector1">
-            <a:avLst/>
-          </a:prstGeom>
-          <a:ln w="19050">
-            <a:solidFill>
-              <a:schemeClr val="tx1"/>
-            </a:solidFill>
-            <a:prstDash val="sysDash"/>
-            <a:tailEnd type="triangle" w="lg" len="med"/>
-          </a:ln>
-        </p:spPr>
-        <p:style>
-          <a:lnRef idx="1">
-            <a:schemeClr val="accent1"/>
-          </a:lnRef>
-          <a:fillRef idx="0">
-            <a:schemeClr val="accent1"/>
-          </a:fillRef>
-          <a:effectRef idx="0">
-            <a:schemeClr val="accent1"/>
-          </a:effectRef>
-          <a:fontRef idx="minor">
-            <a:schemeClr val="tx1"/>
-          </a:fontRef>
-        </p:style>
-      </p:cxnSp>
-      <p:sp>
-        <p:nvSpPr>
-          <p:cNvPr id="19" name="正方形/長方形 18"/>
-          <p:cNvSpPr/>
-          <p:nvPr/>
-        </p:nvSpPr>
-        <p:spPr>
-          <a:xfrm>
-            <a:off x="4716016" y="2564904"/>
-            <a:ext cx="1368152" cy="288032"/>
-          </a:xfrm>
-          <a:prstGeom prst="rect">
-            <a:avLst/>
-          </a:prstGeom>
-          <a:ln>
-            <a:prstDash val="sysDash"/>
-          </a:ln>
-        </p:spPr>
-        <p:style>
-          <a:lnRef idx="2">
-            <a:schemeClr val="accent5">
-              <a:shade val="50000"/>
-            </a:schemeClr>
-          </a:lnRef>
-          <a:fillRef idx="1">
-            <a:schemeClr val="accent5"/>
-          </a:fillRef>
-          <a:effectRef idx="0">
-            <a:schemeClr val="accent5"/>
-          </a:effectRef>
-          <a:fontRef idx="minor">
-            <a:schemeClr val="lt1"/>
-          </a:fontRef>
-        </p:style>
-        <p:txBody>
-          <a:bodyPr rtlCol="0" anchor="ctr"/>
-          <a:lstStyle/>
-          <a:p>
-            <a:pPr algn="ctr"/>
-            <a:r>
-              <a:rPr kumimoji="1" lang="en-US" altLang="ja-JP" dirty="0" smtClean="0"/>
-              <a:t>ORIG_HEAD</a:t>
-            </a:r>
-            <a:endParaRPr kumimoji="1" lang="ja-JP" altLang="en-US" dirty="0"/>
-          </a:p>
-        </p:txBody>
-      </p:sp>
-      <p:cxnSp>
-        <p:nvCxnSpPr>
-          <p:cNvPr id="14" name="直線矢印コネクタ 13"/>
-          <p:cNvCxnSpPr/>
-          <p:nvPr/>
-        </p:nvCxnSpPr>
-        <p:spPr>
-          <a:xfrm flipH="1" flipV="1">
-            <a:off x="4043542" y="4620907"/>
-            <a:ext cx="229064" cy="392270"/>
-          </a:xfrm>
-          <a:prstGeom prst="straightConnector1">
-            <a:avLst/>
-          </a:prstGeom>
-          <a:ln w="19050">
-            <a:solidFill>
-              <a:schemeClr val="tx1"/>
-            </a:solidFill>
-            <a:prstDash val="sysDash"/>
-            <a:tailEnd type="triangle" w="lg" len="med"/>
-          </a:ln>
-        </p:spPr>
-        <p:style>
-          <a:lnRef idx="1">
-            <a:schemeClr val="accent1"/>
-          </a:lnRef>
-          <a:fillRef idx="0">
-            <a:schemeClr val="accent1"/>
-          </a:fillRef>
-          <a:effectRef idx="0">
-            <a:schemeClr val="accent1"/>
-          </a:effectRef>
-          <a:fontRef idx="minor">
-            <a:schemeClr val="tx1"/>
-          </a:fontRef>
-        </p:style>
-      </p:cxnSp>
-      <p:sp>
-        <p:nvSpPr>
-          <p:cNvPr id="15" name="正方形/長方形 14"/>
-          <p:cNvSpPr/>
-          <p:nvPr/>
-        </p:nvSpPr>
-        <p:spPr>
-          <a:xfrm>
-            <a:off x="4280818" y="5013177"/>
-            <a:ext cx="870396" cy="306884"/>
-          </a:xfrm>
-          <a:prstGeom prst="rect">
-            <a:avLst/>
-          </a:prstGeom>
-          <a:ln>
-            <a:prstDash val="sysDash"/>
-          </a:ln>
-        </p:spPr>
-        <p:style>
-          <a:lnRef idx="2">
-            <a:schemeClr val="accent5">
-              <a:shade val="50000"/>
-            </a:schemeClr>
-          </a:lnRef>
-          <a:fillRef idx="1">
-            <a:schemeClr val="accent5"/>
-          </a:fillRef>
-          <a:effectRef idx="0">
-            <a:schemeClr val="accent5"/>
-          </a:effectRef>
-          <a:fontRef idx="minor">
-            <a:schemeClr val="lt1"/>
-          </a:fontRef>
-        </p:style>
-        <p:txBody>
-          <a:bodyPr rtlCol="0" anchor="ctr"/>
-          <a:lstStyle/>
-          <a:p>
-            <a:pPr algn="ctr"/>
-            <a:r>
-              <a:rPr kumimoji="1" lang="en-US" altLang="ja-JP" dirty="0" smtClean="0"/>
-              <a:t>master</a:t>
-            </a:r>
-            <a:endParaRPr kumimoji="1" lang="ja-JP" altLang="en-US" dirty="0"/>
-          </a:p>
-        </p:txBody>
-      </p:sp>
-      <p:sp>
-        <p:nvSpPr>
-          <p:cNvPr id="26" name="円/楕円 25"/>
-          <p:cNvSpPr/>
-          <p:nvPr/>
-        </p:nvSpPr>
-        <p:spPr>
-          <a:xfrm>
-            <a:off x="3789131" y="4080907"/>
-            <a:ext cx="540000" cy="540000"/>
-          </a:xfrm>
-          <a:prstGeom prst="ellipse">
-            <a:avLst/>
-          </a:prstGeom>
-        </p:spPr>
-        <p:style>
-          <a:lnRef idx="2">
-            <a:schemeClr val="accent2">
-              <a:shade val="50000"/>
-            </a:schemeClr>
-          </a:lnRef>
-          <a:fillRef idx="1">
-            <a:schemeClr val="accent2"/>
-          </a:fillRef>
-          <a:effectRef idx="0">
-            <a:schemeClr val="accent2"/>
-          </a:effectRef>
-          <a:fontRef idx="minor">
-            <a:schemeClr val="lt1"/>
-          </a:fontRef>
-        </p:style>
-        <p:txBody>
-          <a:bodyPr rtlCol="0" anchor="ctr"/>
-          <a:lstStyle/>
-          <a:p>
-            <a:pPr algn="ctr"/>
-            <a:r>
-              <a:rPr lang="en-US" altLang="ja-JP" dirty="0" smtClean="0"/>
-              <a:t>D’</a:t>
-            </a:r>
-            <a:endParaRPr kumimoji="1" lang="ja-JP" altLang="en-US" dirty="0"/>
-          </a:p>
-        </p:txBody>
-      </p:sp>
-      <p:cxnSp>
-        <p:nvCxnSpPr>
-          <p:cNvPr id="27" name="直線矢印コネクタ 26"/>
-          <p:cNvCxnSpPr>
-            <a:stCxn id="26" idx="1"/>
-          </p:cNvCxnSpPr>
-          <p:nvPr/>
-        </p:nvCxnSpPr>
-        <p:spPr>
-          <a:xfrm flipH="1" flipV="1">
-            <a:off x="3421988" y="3760169"/>
-            <a:ext cx="446224" cy="399819"/>
-          </a:xfrm>
-          <a:prstGeom prst="straightConnector1">
-            <a:avLst/>
-          </a:prstGeom>
-          <a:ln w="19050">
-            <a:solidFill>
-              <a:schemeClr val="tx1"/>
-            </a:solidFill>
-            <a:prstDash val="sysDash"/>
+            <a:prstDash val="sysDot"/>
             <a:tailEnd type="triangle" w="lg" len="med"/>
           </a:ln>
         </p:spPr>
@@ -5135,23 +5610,23 @@
       </p:cxnSp>
       <p:cxnSp>
         <p:nvCxnSpPr>
-          <p:cNvPr id="32" name="直線矢印コネクタ 31"/>
+          <p:cNvPr id="57" name="直線矢印コネクタ 56"/>
           <p:cNvCxnSpPr/>
           <p:nvPr/>
         </p:nvCxnSpPr>
         <p:spPr>
-          <a:xfrm flipH="1" flipV="1">
-            <a:off x="4727618" y="5341096"/>
-            <a:ext cx="229064" cy="392270"/>
+          <a:xfrm flipH="1">
+            <a:off x="4444048" y="2852936"/>
+            <a:ext cx="271968" cy="367233"/>
           </a:xfrm>
           <a:prstGeom prst="straightConnector1">
             <a:avLst/>
           </a:prstGeom>
-          <a:ln w="19050">
+          <a:ln w="31750">
             <a:solidFill>
               <a:schemeClr val="tx1"/>
             </a:solidFill>
-            <a:prstDash val="sysDash"/>
+            <a:prstDash val="sysDot"/>
             <a:tailEnd type="triangle" w="lg" len="med"/>
           </a:ln>
         </p:spPr>
@@ -5172,19 +5647,20 @@
       </p:cxnSp>
       <p:sp>
         <p:nvSpPr>
-          <p:cNvPr id="33" name="正方形/長方形 32"/>
+          <p:cNvPr id="58" name="正方形/長方形 57"/>
           <p:cNvSpPr/>
           <p:nvPr/>
         </p:nvSpPr>
         <p:spPr>
           <a:xfrm>
-            <a:off x="4964894" y="5733366"/>
-            <a:ext cx="870396" cy="306884"/>
+            <a:off x="4716016" y="2564904"/>
+            <a:ext cx="1368152" cy="288032"/>
           </a:xfrm>
           <a:prstGeom prst="rect">
             <a:avLst/>
           </a:prstGeom>
           <a:ln>
+            <a:noFill/>
             <a:prstDash val="sysDash"/>
           </a:ln>
         </p:spPr>
@@ -5205,15 +5681,615 @@
           </a:fontRef>
         </p:style>
         <p:txBody>
-          <a:bodyPr rtlCol="0" anchor="ctr"/>
+          <a:bodyPr lIns="91429" tIns="45715" rIns="91429" bIns="45715" rtlCol="0" anchor="ctr"/>
           <a:lstStyle/>
           <a:p>
             <a:pPr algn="ctr"/>
             <a:r>
-              <a:rPr kumimoji="1" lang="en-US" altLang="ja-JP" dirty="0" smtClean="0"/>
+              <a:rPr lang="en-US" altLang="ja-JP" dirty="0"/>
+              <a:t>ORIG_HEAD</a:t>
+            </a:r>
+            <a:endParaRPr lang="ja-JP" altLang="en-US" dirty="0"/>
+          </a:p>
+        </p:txBody>
+      </p:sp>
+      <p:cxnSp>
+        <p:nvCxnSpPr>
+          <p:cNvPr id="59" name="直線矢印コネクタ 58"/>
+          <p:cNvCxnSpPr/>
+          <p:nvPr/>
+        </p:nvCxnSpPr>
+        <p:spPr>
+          <a:xfrm flipH="1" flipV="1">
+            <a:off x="4043542" y="4620907"/>
+            <a:ext cx="229064" cy="392270"/>
+          </a:xfrm>
+          <a:prstGeom prst="straightConnector1">
+            <a:avLst/>
+          </a:prstGeom>
+          <a:ln w="31750">
+            <a:solidFill>
+              <a:schemeClr val="tx1"/>
+            </a:solidFill>
+            <a:prstDash val="sysDot"/>
+            <a:tailEnd type="triangle" w="lg" len="med"/>
+          </a:ln>
+        </p:spPr>
+        <p:style>
+          <a:lnRef idx="1">
+            <a:schemeClr val="accent1"/>
+          </a:lnRef>
+          <a:fillRef idx="0">
+            <a:schemeClr val="accent1"/>
+          </a:fillRef>
+          <a:effectRef idx="0">
+            <a:schemeClr val="accent1"/>
+          </a:effectRef>
+          <a:fontRef idx="minor">
+            <a:schemeClr val="tx1"/>
+          </a:fontRef>
+        </p:style>
+      </p:cxnSp>
+      <p:sp>
+        <p:nvSpPr>
+          <p:cNvPr id="60" name="正方形/長方形 59"/>
+          <p:cNvSpPr/>
+          <p:nvPr/>
+        </p:nvSpPr>
+        <p:spPr>
+          <a:xfrm>
+            <a:off x="4280818" y="5013177"/>
+            <a:ext cx="870396" cy="306884"/>
+          </a:xfrm>
+          <a:prstGeom prst="rect">
+            <a:avLst/>
+          </a:prstGeom>
+          <a:ln>
+            <a:noFill/>
+            <a:prstDash val="sysDash"/>
+          </a:ln>
+        </p:spPr>
+        <p:style>
+          <a:lnRef idx="2">
+            <a:schemeClr val="accent5">
+              <a:shade val="50000"/>
+            </a:schemeClr>
+          </a:lnRef>
+          <a:fillRef idx="1">
+            <a:schemeClr val="accent5"/>
+          </a:fillRef>
+          <a:effectRef idx="0">
+            <a:schemeClr val="accent5"/>
+          </a:effectRef>
+          <a:fontRef idx="minor">
+            <a:schemeClr val="lt1"/>
+          </a:fontRef>
+        </p:style>
+        <p:txBody>
+          <a:bodyPr lIns="91429" tIns="45715" rIns="91429" bIns="45715" rtlCol="0" anchor="ctr"/>
+          <a:lstStyle/>
+          <a:p>
+            <a:pPr algn="ctr"/>
+            <a:r>
+              <a:rPr lang="en-US" altLang="ja-JP" dirty="0"/>
+              <a:t>master</a:t>
+            </a:r>
+            <a:endParaRPr lang="ja-JP" altLang="en-US" dirty="0"/>
+          </a:p>
+        </p:txBody>
+      </p:sp>
+      <p:sp>
+        <p:nvSpPr>
+          <p:cNvPr id="61" name="円/楕円 60"/>
+          <p:cNvSpPr/>
+          <p:nvPr/>
+        </p:nvSpPr>
+        <p:spPr>
+          <a:xfrm>
+            <a:off x="3789131" y="4080907"/>
+            <a:ext cx="540000" cy="540000"/>
+          </a:xfrm>
+          <a:prstGeom prst="ellipse">
+            <a:avLst/>
+          </a:prstGeom>
+          <a:solidFill>
+            <a:srgbClr val="FF0066"/>
+          </a:solidFill>
+          <a:ln>
+            <a:noFill/>
+          </a:ln>
+        </p:spPr>
+        <p:style>
+          <a:lnRef idx="2">
+            <a:schemeClr val="accent2">
+              <a:shade val="50000"/>
+            </a:schemeClr>
+          </a:lnRef>
+          <a:fillRef idx="1">
+            <a:schemeClr val="accent2"/>
+          </a:fillRef>
+          <a:effectRef idx="0">
+            <a:schemeClr val="accent2"/>
+          </a:effectRef>
+          <a:fontRef idx="minor">
+            <a:schemeClr val="lt1"/>
+          </a:fontRef>
+        </p:style>
+        <p:txBody>
+          <a:bodyPr lIns="91429" tIns="45715" rIns="91429" bIns="45715" rtlCol="0" anchor="ctr"/>
+          <a:lstStyle/>
+          <a:p>
+            <a:pPr algn="ctr"/>
+            <a:r>
+              <a:rPr lang="en-US" altLang="ja-JP" dirty="0"/>
+              <a:t>D’</a:t>
+            </a:r>
+            <a:endParaRPr lang="ja-JP" altLang="en-US" dirty="0"/>
+          </a:p>
+        </p:txBody>
+      </p:sp>
+      <p:cxnSp>
+        <p:nvCxnSpPr>
+          <p:cNvPr id="62" name="直線矢印コネクタ 61"/>
+          <p:cNvCxnSpPr>
+            <a:stCxn id="61" idx="1"/>
+          </p:cNvCxnSpPr>
+          <p:nvPr/>
+        </p:nvCxnSpPr>
+        <p:spPr>
+          <a:xfrm flipH="1" flipV="1">
+            <a:off x="3421988" y="3760169"/>
+            <a:ext cx="446224" cy="399819"/>
+          </a:xfrm>
+          <a:prstGeom prst="straightConnector1">
+            <a:avLst/>
+          </a:prstGeom>
+          <a:ln w="31750">
+            <a:solidFill>
+              <a:schemeClr val="tx1"/>
+            </a:solidFill>
+            <a:prstDash val="sysDot"/>
+            <a:tailEnd type="triangle" w="lg" len="med"/>
+          </a:ln>
+        </p:spPr>
+        <p:style>
+          <a:lnRef idx="1">
+            <a:schemeClr val="accent1"/>
+          </a:lnRef>
+          <a:fillRef idx="0">
+            <a:schemeClr val="accent1"/>
+          </a:fillRef>
+          <a:effectRef idx="0">
+            <a:schemeClr val="accent1"/>
+          </a:effectRef>
+          <a:fontRef idx="minor">
+            <a:schemeClr val="tx1"/>
+          </a:fontRef>
+        </p:style>
+      </p:cxnSp>
+      <p:cxnSp>
+        <p:nvCxnSpPr>
+          <p:cNvPr id="63" name="直線矢印コネクタ 62"/>
+          <p:cNvCxnSpPr/>
+          <p:nvPr/>
+        </p:nvCxnSpPr>
+        <p:spPr>
+          <a:xfrm flipH="1" flipV="1">
+            <a:off x="4727618" y="5341096"/>
+            <a:ext cx="229064" cy="392270"/>
+          </a:xfrm>
+          <a:prstGeom prst="straightConnector1">
+            <a:avLst/>
+          </a:prstGeom>
+          <a:ln w="31750">
+            <a:solidFill>
+              <a:schemeClr val="tx1"/>
+            </a:solidFill>
+            <a:prstDash val="sysDot"/>
+            <a:tailEnd type="triangle" w="lg" len="med"/>
+          </a:ln>
+        </p:spPr>
+        <p:style>
+          <a:lnRef idx="1">
+            <a:schemeClr val="accent1"/>
+          </a:lnRef>
+          <a:fillRef idx="0">
+            <a:schemeClr val="accent1"/>
+          </a:fillRef>
+          <a:effectRef idx="0">
+            <a:schemeClr val="accent1"/>
+          </a:effectRef>
+          <a:fontRef idx="minor">
+            <a:schemeClr val="tx1"/>
+          </a:fontRef>
+        </p:style>
+      </p:cxnSp>
+      <p:sp>
+        <p:nvSpPr>
+          <p:cNvPr id="64" name="正方形/長方形 63"/>
+          <p:cNvSpPr/>
+          <p:nvPr/>
+        </p:nvSpPr>
+        <p:spPr>
+          <a:xfrm>
+            <a:off x="4964894" y="5733366"/>
+            <a:ext cx="870396" cy="306884"/>
+          </a:xfrm>
+          <a:prstGeom prst="rect">
+            <a:avLst/>
+          </a:prstGeom>
+          <a:ln>
+            <a:noFill/>
+            <a:prstDash val="sysDash"/>
+          </a:ln>
+        </p:spPr>
+        <p:style>
+          <a:lnRef idx="2">
+            <a:schemeClr val="accent5">
+              <a:shade val="50000"/>
+            </a:schemeClr>
+          </a:lnRef>
+          <a:fillRef idx="1">
+            <a:schemeClr val="accent5"/>
+          </a:fillRef>
+          <a:effectRef idx="0">
+            <a:schemeClr val="accent5"/>
+          </a:effectRef>
+          <a:fontRef idx="minor">
+            <a:schemeClr val="lt1"/>
+          </a:fontRef>
+        </p:style>
+        <p:txBody>
+          <a:bodyPr lIns="91429" tIns="45715" rIns="91429" bIns="45715" rtlCol="0" anchor="ctr"/>
+          <a:lstStyle/>
+          <a:p>
+            <a:pPr algn="ctr"/>
+            <a:r>
+              <a:rPr lang="en-US" altLang="ja-JP" dirty="0"/>
               <a:t>HEAD</a:t>
             </a:r>
-            <a:endParaRPr kumimoji="1" lang="ja-JP" altLang="en-US" dirty="0"/>
+            <a:endParaRPr lang="ja-JP" altLang="en-US" dirty="0"/>
+          </a:p>
+        </p:txBody>
+      </p:sp>
+      <p:sp>
+        <p:nvSpPr>
+          <p:cNvPr id="65" name="角丸四角形吹き出し 70"/>
+          <p:cNvSpPr/>
+          <p:nvPr/>
+        </p:nvSpPr>
+        <p:spPr>
+          <a:xfrm>
+            <a:off x="203401" y="123901"/>
+            <a:ext cx="8737200" cy="1433282"/>
+          </a:xfrm>
+          <a:custGeom>
+            <a:avLst/>
+            <a:gdLst>
+              <a:gd name="connsiteX0" fmla="*/ 0 w 8541658"/>
+              <a:gd name="connsiteY0" fmla="*/ 214817 h 1288876"/>
+              <a:gd name="connsiteX1" fmla="*/ 214817 w 8541658"/>
+              <a:gd name="connsiteY1" fmla="*/ 0 h 1288876"/>
+              <a:gd name="connsiteX2" fmla="*/ 1423610 w 8541658"/>
+              <a:gd name="connsiteY2" fmla="*/ 0 h 1288876"/>
+              <a:gd name="connsiteX3" fmla="*/ 1423610 w 8541658"/>
+              <a:gd name="connsiteY3" fmla="*/ 0 h 1288876"/>
+              <a:gd name="connsiteX4" fmla="*/ 3559024 w 8541658"/>
+              <a:gd name="connsiteY4" fmla="*/ 0 h 1288876"/>
+              <a:gd name="connsiteX5" fmla="*/ 8326841 w 8541658"/>
+              <a:gd name="connsiteY5" fmla="*/ 0 h 1288876"/>
+              <a:gd name="connsiteX6" fmla="*/ 8541658 w 8541658"/>
+              <a:gd name="connsiteY6" fmla="*/ 214817 h 1288876"/>
+              <a:gd name="connsiteX7" fmla="*/ 8541658 w 8541658"/>
+              <a:gd name="connsiteY7" fmla="*/ 751844 h 1288876"/>
+              <a:gd name="connsiteX8" fmla="*/ 8541658 w 8541658"/>
+              <a:gd name="connsiteY8" fmla="*/ 751844 h 1288876"/>
+              <a:gd name="connsiteX9" fmla="*/ 8541658 w 8541658"/>
+              <a:gd name="connsiteY9" fmla="*/ 1074063 h 1288876"/>
+              <a:gd name="connsiteX10" fmla="*/ 8541658 w 8541658"/>
+              <a:gd name="connsiteY10" fmla="*/ 1074059 h 1288876"/>
+              <a:gd name="connsiteX11" fmla="*/ 8326841 w 8541658"/>
+              <a:gd name="connsiteY11" fmla="*/ 1288876 h 1288876"/>
+              <a:gd name="connsiteX12" fmla="*/ 3559024 w 8541658"/>
+              <a:gd name="connsiteY12" fmla="*/ 1288876 h 1288876"/>
+              <a:gd name="connsiteX13" fmla="*/ 2230227 w 8541658"/>
+              <a:gd name="connsiteY13" fmla="*/ 1471381 h 1288876"/>
+              <a:gd name="connsiteX14" fmla="*/ 1423610 w 8541658"/>
+              <a:gd name="connsiteY14" fmla="*/ 1288876 h 1288876"/>
+              <a:gd name="connsiteX15" fmla="*/ 214817 w 8541658"/>
+              <a:gd name="connsiteY15" fmla="*/ 1288876 h 1288876"/>
+              <a:gd name="connsiteX16" fmla="*/ 0 w 8541658"/>
+              <a:gd name="connsiteY16" fmla="*/ 1074059 h 1288876"/>
+              <a:gd name="connsiteX17" fmla="*/ 0 w 8541658"/>
+              <a:gd name="connsiteY17" fmla="*/ 1074063 h 1288876"/>
+              <a:gd name="connsiteX18" fmla="*/ 0 w 8541658"/>
+              <a:gd name="connsiteY18" fmla="*/ 751844 h 1288876"/>
+              <a:gd name="connsiteX19" fmla="*/ 0 w 8541658"/>
+              <a:gd name="connsiteY19" fmla="*/ 751844 h 1288876"/>
+              <a:gd name="connsiteX20" fmla="*/ 0 w 8541658"/>
+              <a:gd name="connsiteY20" fmla="*/ 214817 h 1288876"/>
+              <a:gd name="connsiteX0" fmla="*/ 0 w 8541658"/>
+              <a:gd name="connsiteY0" fmla="*/ 214817 h 1471381"/>
+              <a:gd name="connsiteX1" fmla="*/ 214817 w 8541658"/>
+              <a:gd name="connsiteY1" fmla="*/ 0 h 1471381"/>
+              <a:gd name="connsiteX2" fmla="*/ 1423610 w 8541658"/>
+              <a:gd name="connsiteY2" fmla="*/ 0 h 1471381"/>
+              <a:gd name="connsiteX3" fmla="*/ 1423610 w 8541658"/>
+              <a:gd name="connsiteY3" fmla="*/ 0 h 1471381"/>
+              <a:gd name="connsiteX4" fmla="*/ 3559024 w 8541658"/>
+              <a:gd name="connsiteY4" fmla="*/ 0 h 1471381"/>
+              <a:gd name="connsiteX5" fmla="*/ 8326841 w 8541658"/>
+              <a:gd name="connsiteY5" fmla="*/ 0 h 1471381"/>
+              <a:gd name="connsiteX6" fmla="*/ 8541658 w 8541658"/>
+              <a:gd name="connsiteY6" fmla="*/ 214817 h 1471381"/>
+              <a:gd name="connsiteX7" fmla="*/ 8541658 w 8541658"/>
+              <a:gd name="connsiteY7" fmla="*/ 751844 h 1471381"/>
+              <a:gd name="connsiteX8" fmla="*/ 8541658 w 8541658"/>
+              <a:gd name="connsiteY8" fmla="*/ 751844 h 1471381"/>
+              <a:gd name="connsiteX9" fmla="*/ 8541658 w 8541658"/>
+              <a:gd name="connsiteY9" fmla="*/ 1074063 h 1471381"/>
+              <a:gd name="connsiteX10" fmla="*/ 8541658 w 8541658"/>
+              <a:gd name="connsiteY10" fmla="*/ 1074059 h 1471381"/>
+              <a:gd name="connsiteX11" fmla="*/ 8326841 w 8541658"/>
+              <a:gd name="connsiteY11" fmla="*/ 1288876 h 1471381"/>
+              <a:gd name="connsiteX12" fmla="*/ 1852144 w 8541658"/>
+              <a:gd name="connsiteY12" fmla="*/ 1288876 h 1471381"/>
+              <a:gd name="connsiteX13" fmla="*/ 2230227 w 8541658"/>
+              <a:gd name="connsiteY13" fmla="*/ 1471381 h 1471381"/>
+              <a:gd name="connsiteX14" fmla="*/ 1423610 w 8541658"/>
+              <a:gd name="connsiteY14" fmla="*/ 1288876 h 1471381"/>
+              <a:gd name="connsiteX15" fmla="*/ 214817 w 8541658"/>
+              <a:gd name="connsiteY15" fmla="*/ 1288876 h 1471381"/>
+              <a:gd name="connsiteX16" fmla="*/ 0 w 8541658"/>
+              <a:gd name="connsiteY16" fmla="*/ 1074059 h 1471381"/>
+              <a:gd name="connsiteX17" fmla="*/ 0 w 8541658"/>
+              <a:gd name="connsiteY17" fmla="*/ 1074063 h 1471381"/>
+              <a:gd name="connsiteX18" fmla="*/ 0 w 8541658"/>
+              <a:gd name="connsiteY18" fmla="*/ 751844 h 1471381"/>
+              <a:gd name="connsiteX19" fmla="*/ 0 w 8541658"/>
+              <a:gd name="connsiteY19" fmla="*/ 751844 h 1471381"/>
+              <a:gd name="connsiteX20" fmla="*/ 0 w 8541658"/>
+              <a:gd name="connsiteY20" fmla="*/ 214817 h 1471381"/>
+              <a:gd name="connsiteX0" fmla="*/ 0 w 8541658"/>
+              <a:gd name="connsiteY0" fmla="*/ 214817 h 1433281"/>
+              <a:gd name="connsiteX1" fmla="*/ 214817 w 8541658"/>
+              <a:gd name="connsiteY1" fmla="*/ 0 h 1433281"/>
+              <a:gd name="connsiteX2" fmla="*/ 1423610 w 8541658"/>
+              <a:gd name="connsiteY2" fmla="*/ 0 h 1433281"/>
+              <a:gd name="connsiteX3" fmla="*/ 1423610 w 8541658"/>
+              <a:gd name="connsiteY3" fmla="*/ 0 h 1433281"/>
+              <a:gd name="connsiteX4" fmla="*/ 3559024 w 8541658"/>
+              <a:gd name="connsiteY4" fmla="*/ 0 h 1433281"/>
+              <a:gd name="connsiteX5" fmla="*/ 8326841 w 8541658"/>
+              <a:gd name="connsiteY5" fmla="*/ 0 h 1433281"/>
+              <a:gd name="connsiteX6" fmla="*/ 8541658 w 8541658"/>
+              <a:gd name="connsiteY6" fmla="*/ 214817 h 1433281"/>
+              <a:gd name="connsiteX7" fmla="*/ 8541658 w 8541658"/>
+              <a:gd name="connsiteY7" fmla="*/ 751844 h 1433281"/>
+              <a:gd name="connsiteX8" fmla="*/ 8541658 w 8541658"/>
+              <a:gd name="connsiteY8" fmla="*/ 751844 h 1433281"/>
+              <a:gd name="connsiteX9" fmla="*/ 8541658 w 8541658"/>
+              <a:gd name="connsiteY9" fmla="*/ 1074063 h 1433281"/>
+              <a:gd name="connsiteX10" fmla="*/ 8541658 w 8541658"/>
+              <a:gd name="connsiteY10" fmla="*/ 1074059 h 1433281"/>
+              <a:gd name="connsiteX11" fmla="*/ 8326841 w 8541658"/>
+              <a:gd name="connsiteY11" fmla="*/ 1288876 h 1433281"/>
+              <a:gd name="connsiteX12" fmla="*/ 1852144 w 8541658"/>
+              <a:gd name="connsiteY12" fmla="*/ 1288876 h 1433281"/>
+              <a:gd name="connsiteX13" fmla="*/ 1864467 w 8541658"/>
+              <a:gd name="connsiteY13" fmla="*/ 1433281 h 1433281"/>
+              <a:gd name="connsiteX14" fmla="*/ 1423610 w 8541658"/>
+              <a:gd name="connsiteY14" fmla="*/ 1288876 h 1433281"/>
+              <a:gd name="connsiteX15" fmla="*/ 214817 w 8541658"/>
+              <a:gd name="connsiteY15" fmla="*/ 1288876 h 1433281"/>
+              <a:gd name="connsiteX16" fmla="*/ 0 w 8541658"/>
+              <a:gd name="connsiteY16" fmla="*/ 1074059 h 1433281"/>
+              <a:gd name="connsiteX17" fmla="*/ 0 w 8541658"/>
+              <a:gd name="connsiteY17" fmla="*/ 1074063 h 1433281"/>
+              <a:gd name="connsiteX18" fmla="*/ 0 w 8541658"/>
+              <a:gd name="connsiteY18" fmla="*/ 751844 h 1433281"/>
+              <a:gd name="connsiteX19" fmla="*/ 0 w 8541658"/>
+              <a:gd name="connsiteY19" fmla="*/ 751844 h 1433281"/>
+              <a:gd name="connsiteX20" fmla="*/ 0 w 8541658"/>
+              <a:gd name="connsiteY20" fmla="*/ 214817 h 1433281"/>
+            </a:gdLst>
+            <a:ahLst/>
+            <a:cxnLst>
+              <a:cxn ang="0">
+                <a:pos x="connsiteX0" y="connsiteY0"/>
+              </a:cxn>
+              <a:cxn ang="0">
+                <a:pos x="connsiteX1" y="connsiteY1"/>
+              </a:cxn>
+              <a:cxn ang="0">
+                <a:pos x="connsiteX2" y="connsiteY2"/>
+              </a:cxn>
+              <a:cxn ang="0">
+                <a:pos x="connsiteX3" y="connsiteY3"/>
+              </a:cxn>
+              <a:cxn ang="0">
+                <a:pos x="connsiteX4" y="connsiteY4"/>
+              </a:cxn>
+              <a:cxn ang="0">
+                <a:pos x="connsiteX5" y="connsiteY5"/>
+              </a:cxn>
+              <a:cxn ang="0">
+                <a:pos x="connsiteX6" y="connsiteY6"/>
+              </a:cxn>
+              <a:cxn ang="0">
+                <a:pos x="connsiteX7" y="connsiteY7"/>
+              </a:cxn>
+              <a:cxn ang="0">
+                <a:pos x="connsiteX8" y="connsiteY8"/>
+              </a:cxn>
+              <a:cxn ang="0">
+                <a:pos x="connsiteX9" y="connsiteY9"/>
+              </a:cxn>
+              <a:cxn ang="0">
+                <a:pos x="connsiteX10" y="connsiteY10"/>
+              </a:cxn>
+              <a:cxn ang="0">
+                <a:pos x="connsiteX11" y="connsiteY11"/>
+              </a:cxn>
+              <a:cxn ang="0">
+                <a:pos x="connsiteX12" y="connsiteY12"/>
+              </a:cxn>
+              <a:cxn ang="0">
+                <a:pos x="connsiteX13" y="connsiteY13"/>
+              </a:cxn>
+              <a:cxn ang="0">
+                <a:pos x="connsiteX14" y="connsiteY14"/>
+              </a:cxn>
+              <a:cxn ang="0">
+                <a:pos x="connsiteX15" y="connsiteY15"/>
+              </a:cxn>
+              <a:cxn ang="0">
+                <a:pos x="connsiteX16" y="connsiteY16"/>
+              </a:cxn>
+              <a:cxn ang="0">
+                <a:pos x="connsiteX17" y="connsiteY17"/>
+              </a:cxn>
+              <a:cxn ang="0">
+                <a:pos x="connsiteX18" y="connsiteY18"/>
+              </a:cxn>
+              <a:cxn ang="0">
+                <a:pos x="connsiteX19" y="connsiteY19"/>
+              </a:cxn>
+              <a:cxn ang="0">
+                <a:pos x="connsiteX20" y="connsiteY20"/>
+              </a:cxn>
+            </a:cxnLst>
+            <a:rect l="l" t="t" r="r" b="b"/>
+            <a:pathLst>
+              <a:path w="8541658" h="1433281">
+                <a:moveTo>
+                  <a:pt x="0" y="214817"/>
+                </a:moveTo>
+                <a:cubicBezTo>
+                  <a:pt x="0" y="96177"/>
+                  <a:pt x="96177" y="0"/>
+                  <a:pt x="214817" y="0"/>
+                </a:cubicBezTo>
+                <a:lnTo>
+                  <a:pt x="1423610" y="0"/>
+                </a:lnTo>
+                <a:lnTo>
+                  <a:pt x="1423610" y="0"/>
+                </a:lnTo>
+                <a:lnTo>
+                  <a:pt x="3559024" y="0"/>
+                </a:lnTo>
+                <a:lnTo>
+                  <a:pt x="8326841" y="0"/>
+                </a:lnTo>
+                <a:cubicBezTo>
+                  <a:pt x="8445481" y="0"/>
+                  <a:pt x="8541658" y="96177"/>
+                  <a:pt x="8541658" y="214817"/>
+                </a:cubicBezTo>
+                <a:lnTo>
+                  <a:pt x="8541658" y="751844"/>
+                </a:lnTo>
+                <a:lnTo>
+                  <a:pt x="8541658" y="751844"/>
+                </a:lnTo>
+                <a:lnTo>
+                  <a:pt x="8541658" y="1074063"/>
+                </a:lnTo>
+                <a:lnTo>
+                  <a:pt x="8541658" y="1074059"/>
+                </a:lnTo>
+                <a:cubicBezTo>
+                  <a:pt x="8541658" y="1192699"/>
+                  <a:pt x="8445481" y="1288876"/>
+                  <a:pt x="8326841" y="1288876"/>
+                </a:cubicBezTo>
+                <a:lnTo>
+                  <a:pt x="1852144" y="1288876"/>
+                </a:lnTo>
+                <a:lnTo>
+                  <a:pt x="1864467" y="1433281"/>
+                </a:lnTo>
+                <a:lnTo>
+                  <a:pt x="1423610" y="1288876"/>
+                </a:lnTo>
+                <a:lnTo>
+                  <a:pt x="214817" y="1288876"/>
+                </a:lnTo>
+                <a:cubicBezTo>
+                  <a:pt x="96177" y="1288876"/>
+                  <a:pt x="0" y="1192699"/>
+                  <a:pt x="0" y="1074059"/>
+                </a:cubicBezTo>
+                <a:lnTo>
+                  <a:pt x="0" y="1074063"/>
+                </a:lnTo>
+                <a:lnTo>
+                  <a:pt x="0" y="751844"/>
+                </a:lnTo>
+                <a:lnTo>
+                  <a:pt x="0" y="751844"/>
+                </a:lnTo>
+                <a:lnTo>
+                  <a:pt x="0" y="214817"/>
+                </a:lnTo>
+                <a:close/>
+              </a:path>
+            </a:pathLst>
+          </a:custGeom>
+          <a:solidFill>
+            <a:srgbClr val="03C924"/>
+          </a:solidFill>
+          <a:ln>
+            <a:noFill/>
+          </a:ln>
+        </p:spPr>
+        <p:style>
+          <a:lnRef idx="2">
+            <a:schemeClr val="accent1">
+              <a:shade val="50000"/>
+            </a:schemeClr>
+          </a:lnRef>
+          <a:fillRef idx="1">
+            <a:schemeClr val="accent1"/>
+          </a:fillRef>
+          <a:effectRef idx="0">
+            <a:schemeClr val="accent1"/>
+          </a:effectRef>
+          <a:fontRef idx="minor">
+            <a:schemeClr val="lt1"/>
+          </a:fontRef>
+        </p:style>
+        <p:txBody>
+          <a:bodyPr lIns="143983" tIns="143983" rIns="143983" bIns="0" rtlCol="0" anchor="ctr"/>
+          <a:lstStyle/>
+          <a:p>
+            <a:r>
+              <a:rPr lang="ja-JP" altLang="en-US" b="1" dirty="0" smtClean="0">
+                <a:ea typeface="ＭＳ ゴシック" panose="020B0609070205080204" pitchFamily="49" charset="-128"/>
+              </a:rPr>
+              <a:t>別の変更を</a:t>
+            </a:r>
+            <a:r>
+              <a:rPr lang="ja-JP" altLang="en-US" b="1" dirty="0">
+                <a:ea typeface="ＭＳ ゴシック" panose="020B0609070205080204" pitchFamily="49" charset="-128"/>
+              </a:rPr>
+              <a:t>入れて</a:t>
+            </a:r>
+            <a:r>
+              <a:rPr lang="ja-JP" altLang="en-US" b="1" dirty="0" smtClean="0">
+                <a:ea typeface="ＭＳ ゴシック" panose="020B0609070205080204" pitchFamily="49" charset="-128"/>
+              </a:rPr>
+              <a:t>コミット。</a:t>
+            </a:r>
+            <a:endParaRPr lang="en-US" altLang="ja-JP" b="1" dirty="0" smtClean="0">
+              <a:ea typeface="ＭＳ ゴシック" panose="020B0609070205080204" pitchFamily="49" charset="-128"/>
+            </a:endParaRPr>
+          </a:p>
+          <a:p>
+            <a:endParaRPr lang="ja-JP" altLang="en-US" b="1" dirty="0">
+              <a:ea typeface="ＭＳ ゴシック" panose="020B0609070205080204" pitchFamily="49" charset="-128"/>
+            </a:endParaRPr>
           </a:p>
         </p:txBody>
       </p:sp>
